--- a/demo.pptx
+++ b/demo.pptx
@@ -8,8 +8,8 @@
     <p:sldId id="257" r:id="rId2"/>
     <p:sldId id="258" r:id="rId3"/>
     <p:sldId id="259" r:id="rId4"/>
-    <p:sldId id="260" r:id="rId5"/>
-    <p:sldId id="268" r:id="rId6"/>
+    <p:sldId id="268" r:id="rId5"/>
+    <p:sldId id="260" r:id="rId6"/>
     <p:sldId id="261" r:id="rId7"/>
     <p:sldId id="263" r:id="rId8"/>
     <p:sldId id="265" r:id="rId9"/>
@@ -117,24 +117,12 @@
 
 <file path=ppt/charts/chart1.xml><?xml version="1.0" encoding="utf-8"?>
 <c:chartSpace xmlns:c="http://schemas.openxmlformats.org/drawingml/2006/chart" xmlns:a="http://schemas.openxmlformats.org/drawingml/2006/main" xmlns:r="http://schemas.openxmlformats.org/officeDocument/2006/relationships">
-  <c:date1904 val="0"/>
-  <c:lang val="en-NZ"/>
-  <c:roundedCorners val="0"/>
-  <mc:AlternateContent xmlns:mc="http://schemas.openxmlformats.org/markup-compatibility/2006">
-    <mc:Choice xmlns:c14="http://schemas.microsoft.com/office/drawing/2007/8/2/chart" Requires="c14">
-      <c14:style val="102"/>
-    </mc:Choice>
-    <mc:Fallback>
-      <c:style val="2"/>
-    </mc:Fallback>
-  </mc:AlternateContent>
+  <c:lang val="en-US"/>
   <c:chart>
-    <c:autoTitleDeleted val="0"/>
     <c:plotArea>
       <c:layout/>
       <c:scatterChart>
         <c:scatterStyle val="smoothMarker"/>
-        <c:varyColors val="0"/>
         <c:ser>
           <c:idx val="0"/>
           <c:order val="0"/>
@@ -159,13 +147,13 @@
                   <c:v>0</c:v>
                 </c:pt>
                 <c:pt idx="1">
-                  <c:v>0.31100000000000005</c:v>
+                  <c:v>0.31100000000000011</c:v>
                 </c:pt>
                 <c:pt idx="2">
                   <c:v>0.52</c:v>
                 </c:pt>
                 <c:pt idx="3">
-                  <c:v>0.75200000000000011</c:v>
+                  <c:v>0.75200000000000022</c:v>
                 </c:pt>
                 <c:pt idx="4">
                   <c:v>0.99099999999999999</c:v>
@@ -177,7 +165,7 @@
                   <c:v>1.486</c:v>
                 </c:pt>
                 <c:pt idx="7">
-                  <c:v>1.7260000000000002</c:v>
+                  <c:v>1.7260000000000004</c:v>
                 </c:pt>
                 <c:pt idx="8">
                   <c:v>1.97</c:v>
@@ -204,10 +192,10 @@
                   <c:v>3.6359999999999997</c:v>
                 </c:pt>
                 <c:pt idx="16">
-                  <c:v>3.8559999999999994</c:v>
+                  <c:v>3.855999999999999</c:v>
                 </c:pt>
                 <c:pt idx="17">
-                  <c:v>4.1049999999999995</c:v>
+                  <c:v>4.1049999999999986</c:v>
                 </c:pt>
                 <c:pt idx="18">
                   <c:v>4.3339999999999996</c:v>
@@ -216,7 +204,7 @@
                   <c:v>4.54</c:v>
                 </c:pt>
                 <c:pt idx="20">
-                  <c:v>4.7639999999999993</c:v>
+                  <c:v>4.7639999999999985</c:v>
                 </c:pt>
               </c:numCache>
             </c:numRef>
@@ -234,16 +222,16 @@
                   <c:v>1.9344200000000002E-2</c:v>
                 </c:pt>
                 <c:pt idx="2">
-                  <c:v>5.4080000000000017E-2</c:v>
+                  <c:v>5.4080000000000031E-2</c:v>
                 </c:pt>
                 <c:pt idx="3">
-                  <c:v>0.11310080000000002</c:v>
+                  <c:v>0.11310080000000003</c:v>
                 </c:pt>
                 <c:pt idx="4">
-                  <c:v>0.19641620000000004</c:v>
+                  <c:v>0.1964162000000001</c:v>
                 </c:pt>
                 <c:pt idx="5">
-                  <c:v>0.3155072000000001</c:v>
+                  <c:v>0.31550720000000015</c:v>
                 </c:pt>
                 <c:pt idx="6">
                   <c:v>0.44163920000000001</c:v>
@@ -255,13 +243,13 @@
                   <c:v>0.77617999999999998</c:v>
                 </c:pt>
                 <c:pt idx="9">
-                  <c:v>0.97593620000000003</c:v>
+                  <c:v>0.97593619999999992</c:v>
                 </c:pt>
                 <c:pt idx="10">
                   <c:v>1.2122888000000001</c:v>
                 </c:pt>
                 <c:pt idx="11">
-                  <c:v>1.4558407999999998</c:v>
+                  <c:v>1.4558407999999996</c:v>
                 </c:pt>
                 <c:pt idx="12">
                   <c:v>1.7158081999999997</c:v>
@@ -270,22 +258,22 @@
                   <c:v>2.0059778000000001</c:v>
                 </c:pt>
                 <c:pt idx="14">
-                  <c:v>2.3228927999999995</c:v>
+                  <c:v>2.3228927999999991</c:v>
                 </c:pt>
                 <c:pt idx="15">
-                  <c:v>2.6440992000000008</c:v>
+                  <c:v>2.6440992000000012</c:v>
                 </c:pt>
                 <c:pt idx="16">
-                  <c:v>2.9737471999999991</c:v>
+                  <c:v>2.9737471999999987</c:v>
                 </c:pt>
                 <c:pt idx="17">
-                  <c:v>3.3702050000000003</c:v>
+                  <c:v>3.3702049999999999</c:v>
                 </c:pt>
                 <c:pt idx="18">
                   <c:v>3.7567111999999994</c:v>
                 </c:pt>
                 <c:pt idx="19">
-                  <c:v>4.1223199999999993</c:v>
+                  <c:v>4.1223199999999975</c:v>
                 </c:pt>
                 <c:pt idx="20">
                   <c:v>4.5391392000000002</c:v>
@@ -319,52 +307,52 @@
                   <c:v>0</c:v>
                 </c:pt>
                 <c:pt idx="1">
-                  <c:v>0.29300000000000004</c:v>
+                  <c:v>0.29300000000000009</c:v>
                 </c:pt>
                 <c:pt idx="2">
                   <c:v>0.501</c:v>
                 </c:pt>
                 <c:pt idx="3">
-                  <c:v>0.7340000000000001</c:v>
+                  <c:v>0.73400000000000021</c:v>
                 </c:pt>
                 <c:pt idx="4">
-                  <c:v>0.96300000000000008</c:v>
+                  <c:v>0.96300000000000019</c:v>
                 </c:pt>
                 <c:pt idx="5">
                   <c:v>1.2</c:v>
                 </c:pt>
                 <c:pt idx="6">
-                  <c:v>1.4389999999999998</c:v>
+                  <c:v>1.4389999999999996</c:v>
                 </c:pt>
                 <c:pt idx="7">
                   <c:v>1.6600000000000001</c:v>
                 </c:pt>
                 <c:pt idx="8">
-                  <c:v>1.9029999999999998</c:v>
+                  <c:v>1.9029999999999996</c:v>
                 </c:pt>
                 <c:pt idx="9">
                   <c:v>2.1389999999999998</c:v>
                 </c:pt>
                 <c:pt idx="10">
-                  <c:v>2.3749999999999996</c:v>
+                  <c:v>2.3749999999999991</c:v>
                 </c:pt>
                 <c:pt idx="11">
                   <c:v>2.609</c:v>
                 </c:pt>
                 <c:pt idx="12">
-                  <c:v>2.8499999999999996</c:v>
+                  <c:v>2.8499999999999992</c:v>
                 </c:pt>
                 <c:pt idx="13">
                   <c:v>3.1</c:v>
                 </c:pt>
                 <c:pt idx="14">
-                  <c:v>3.3389999999999995</c:v>
+                  <c:v>3.3389999999999991</c:v>
                 </c:pt>
                 <c:pt idx="15">
                   <c:v>3.56</c:v>
                 </c:pt>
                 <c:pt idx="16">
-                  <c:v>3.8169999999999997</c:v>
+                  <c:v>3.8169999999999993</c:v>
                 </c:pt>
                 <c:pt idx="17">
                   <c:v>4.0439999999999996</c:v>
@@ -376,7 +364,7 @@
                   <c:v>4.5419999999999998</c:v>
                 </c:pt>
                 <c:pt idx="20">
-                  <c:v>4.762999999999999</c:v>
+                  <c:v>4.7629999999999981</c:v>
                 </c:pt>
               </c:numCache>
             </c:numRef>
@@ -400,19 +388,19 @@
                   <c:v>0.53875600000000001</c:v>
                 </c:pt>
                 <c:pt idx="4">
-                  <c:v>0.92736899999999978</c:v>
+                  <c:v>0.92736899999999967</c:v>
                 </c:pt>
                 <c:pt idx="5">
                   <c:v>1.44</c:v>
                 </c:pt>
                 <c:pt idx="6">
-                  <c:v>2.0707210000000007</c:v>
+                  <c:v>2.0707210000000011</c:v>
                 </c:pt>
                 <c:pt idx="7">
                   <c:v>2.7555999999999998</c:v>
                 </c:pt>
                 <c:pt idx="8">
-                  <c:v>3.6214089999999994</c:v>
+                  <c:v>3.621408999999999</c:v>
                 </c:pt>
                 <c:pt idx="9">
                   <c:v>4.5753209999999989</c:v>
@@ -421,7 +409,7 @@
                   <c:v>5.640625</c:v>
                 </c:pt>
                 <c:pt idx="11">
-                  <c:v>6.8068809999999988</c:v>
+                  <c:v>6.806880999999998</c:v>
                 </c:pt>
                 <c:pt idx="12">
                   <c:v>8.1225000000000005</c:v>
@@ -430,22 +418,22 @@
                   <c:v>9.6100000000000012</c:v>
                 </c:pt>
                 <c:pt idx="14">
-                  <c:v>11.148920999999996</c:v>
+                  <c:v>11.148920999999994</c:v>
                 </c:pt>
                 <c:pt idx="15">
                   <c:v>12.6736</c:v>
                 </c:pt>
                 <c:pt idx="16">
-                  <c:v>14.569489000000004</c:v>
+                  <c:v>14.569489000000006</c:v>
                 </c:pt>
                 <c:pt idx="17">
                   <c:v>16.353935999999997</c:v>
                 </c:pt>
                 <c:pt idx="18">
-                  <c:v>18.550249000000001</c:v>
+                  <c:v>18.550248999999997</c:v>
                 </c:pt>
                 <c:pt idx="19">
-                  <c:v>20.629763999999994</c:v>
+                  <c:v>20.629763999999991</c:v>
                 </c:pt>
                 <c:pt idx="20">
                   <c:v>22.686169</c:v>
@@ -482,13 +470,13 @@
                   <c:v>0.2</c:v>
                 </c:pt>
                 <c:pt idx="2">
-                  <c:v>0.4230000000000001</c:v>
+                  <c:v>0.42300000000000015</c:v>
                 </c:pt>
                 <c:pt idx="3">
-                  <c:v>0.64500000000000013</c:v>
+                  <c:v>0.64500000000000024</c:v>
                 </c:pt>
                 <c:pt idx="4">
-                  <c:v>0.86900000000000011</c:v>
+                  <c:v>0.86900000000000022</c:v>
                 </c:pt>
                 <c:pt idx="5">
                   <c:v>1.0980000000000001</c:v>
@@ -497,7 +485,7 @@
                   <c:v>1.333</c:v>
                 </c:pt>
                 <c:pt idx="7">
-                  <c:v>1.5509999999999997</c:v>
+                  <c:v>1.5509999999999995</c:v>
                 </c:pt>
                 <c:pt idx="8">
                   <c:v>1.7709999999999999</c:v>
@@ -515,7 +503,7 @@
                   <c:v>2.6880000000000002</c:v>
                 </c:pt>
                 <c:pt idx="13">
-                  <c:v>2.9119999999999995</c:v>
+                  <c:v>2.911999999999999</c:v>
                 </c:pt>
                 <c:pt idx="14">
                   <c:v>3.14</c:v>
@@ -530,7 +518,7 @@
                   <c:v>3.8079999999999998</c:v>
                 </c:pt>
                 <c:pt idx="18">
-                  <c:v>4.0179999999999989</c:v>
+                  <c:v>4.017999999999998</c:v>
                 </c:pt>
                 <c:pt idx="19">
                   <c:v>4.24</c:v>
@@ -551,19 +539,19 @@
                   <c:v>0</c:v>
                 </c:pt>
                 <c:pt idx="1">
-                  <c:v>8.0000000000000029E-2</c:v>
+                  <c:v>8.0000000000000057E-2</c:v>
                 </c:pt>
                 <c:pt idx="2">
-                  <c:v>0.35785800000000006</c:v>
+                  <c:v>0.35785800000000012</c:v>
                 </c:pt>
                 <c:pt idx="3">
-                  <c:v>0.83205000000000018</c:v>
+                  <c:v>0.83205000000000029</c:v>
                 </c:pt>
                 <c:pt idx="4">
-                  <c:v>1.5103219999999997</c:v>
+                  <c:v>1.5103219999999995</c:v>
                 </c:pt>
                 <c:pt idx="5">
-                  <c:v>2.4112079999999994</c:v>
+                  <c:v>2.4112079999999989</c:v>
                 </c:pt>
                 <c:pt idx="6">
                   <c:v>3.5537779999999999</c:v>
@@ -572,19 +560,19 @@
                   <c:v>4.8112019999999998</c:v>
                 </c:pt>
                 <c:pt idx="8">
-                  <c:v>6.2728819999999983</c:v>
+                  <c:v>6.2728819999999974</c:v>
                 </c:pt>
                 <c:pt idx="9">
-                  <c:v>8.0160079999999994</c:v>
+                  <c:v>8.0160080000000011</c:v>
                 </c:pt>
                 <c:pt idx="10">
                   <c:v>9.9101520000000001</c:v>
                 </c:pt>
                 <c:pt idx="11">
-                  <c:v>11.985408000000001</c:v>
+                  <c:v>11.985408000000003</c:v>
                 </c:pt>
                 <c:pt idx="12">
-                  <c:v>14.450688000000003</c:v>
+                  <c:v>14.450688000000005</c:v>
                 </c:pt>
                 <c:pt idx="13">
                   <c:v>16.959488</c:v>
@@ -593,13 +581,13 @@
                   <c:v>19.719200000000001</c:v>
                 </c:pt>
                 <c:pt idx="15">
-                  <c:v>22.579199999999993</c:v>
+                  <c:v>22.57919999999999</c:v>
                 </c:pt>
                 <c:pt idx="16">
-                  <c:v>25.632800000000003</c:v>
+                  <c:v>25.632800000000007</c:v>
                 </c:pt>
                 <c:pt idx="17">
-                  <c:v>29.001727999999993</c:v>
+                  <c:v>29.001727999999989</c:v>
                 </c:pt>
                 <c:pt idx="18">
                   <c:v>32.288648000000002</c:v>
@@ -615,23 +603,15 @@
           </c:yVal>
           <c:smooth val="1"/>
         </c:ser>
-        <c:dLbls>
-          <c:showLegendKey val="0"/>
-          <c:showVal val="0"/>
-          <c:showCatName val="0"/>
-          <c:showSerName val="0"/>
-          <c:showPercent val="0"/>
-          <c:showBubbleSize val="0"/>
-        </c:dLbls>
-        <c:axId val="92277376"/>
-        <c:axId val="92312704"/>
+        <c:dLbls/>
+        <c:axId val="100305920"/>
+        <c:axId val="100316288"/>
       </c:scatterChart>
       <c:valAx>
-        <c:axId val="92277376"/>
+        <c:axId val="100305920"/>
         <c:scaling>
           <c:orientation val="minMax"/>
         </c:scaling>
-        <c:delete val="0"/>
         <c:axPos val="b"/>
         <c:title>
           <c:tx>
@@ -650,11 +630,8 @@
             </c:rich>
           </c:tx>
           <c:layout/>
-          <c:overlay val="0"/>
         </c:title>
         <c:numFmt formatCode="0.000" sourceLinked="1"/>
-        <c:majorTickMark val="out"/>
-        <c:minorTickMark val="none"/>
         <c:tickLblPos val="nextTo"/>
         <c:txPr>
           <a:bodyPr/>
@@ -666,17 +643,16 @@
             <a:endParaRPr lang="en-US"/>
           </a:p>
         </c:txPr>
-        <c:crossAx val="92312704"/>
+        <c:crossAx val="100316288"/>
         <c:crosses val="autoZero"/>
         <c:crossBetween val="midCat"/>
       </c:valAx>
       <c:valAx>
-        <c:axId val="92312704"/>
+        <c:axId val="100316288"/>
         <c:scaling>
           <c:orientation val="minMax"/>
           <c:max val="40"/>
         </c:scaling>
-        <c:delete val="0"/>
         <c:axPos val="l"/>
         <c:majorGridlines/>
         <c:title>
@@ -704,11 +680,8 @@
             </c:rich>
           </c:tx>
           <c:layout/>
-          <c:overlay val="0"/>
         </c:title>
         <c:numFmt formatCode="0.000" sourceLinked="1"/>
-        <c:majorTickMark val="out"/>
-        <c:minorTickMark val="none"/>
         <c:tickLblPos val="nextTo"/>
         <c:txPr>
           <a:bodyPr/>
@@ -720,7 +693,7 @@
             <a:endParaRPr lang="en-US"/>
           </a:p>
         </c:txPr>
-        <c:crossAx val="92277376"/>
+        <c:crossAx val="100305920"/>
         <c:crosses val="autoZero"/>
         <c:crossBetween val="midCat"/>
         <c:majorUnit val="10"/>
@@ -729,7 +702,6 @@
     <c:legend>
       <c:legendPos val="r"/>
       <c:layout/>
-      <c:overlay val="0"/>
       <c:txPr>
         <a:bodyPr/>
         <a:lstStyle/>
@@ -743,16 +715,13 @@
     </c:legend>
     <c:plotVisOnly val="1"/>
     <c:dispBlanksAs val="gap"/>
-    <c:showDLblsOverMax val="0"/>
   </c:chart>
   <c:spPr>
     <a:solidFill>
       <a:schemeClr val="bg1"/>
     </a:solidFill>
   </c:spPr>
-  <c:externalData r:id="rId1">
-    <c:autoUpdate val="0"/>
-  </c:externalData>
+  <c:externalData r:id="rId1"/>
 </c:chartSpace>
 </file>
 
@@ -1020,7 +989,7 @@
     </p:spTree>
     <p:extLst>
       <p:ext uri="{BB962C8B-B14F-4D97-AF65-F5344CB8AC3E}">
-        <p14:creationId xmlns:p14="http://schemas.microsoft.com/office/powerpoint/2010/main" val="1053039674"/>
+        <p14:creationId xmlns:p14="http://schemas.microsoft.com/office/powerpoint/2010/main" xmlns="" val="1053039674"/>
       </p:ext>
     </p:extLst>
   </p:cSld>
@@ -1222,7 +1191,7 @@
     </p:spTree>
     <p:extLst>
       <p:ext uri="{BB962C8B-B14F-4D97-AF65-F5344CB8AC3E}">
-        <p14:creationId xmlns:p14="http://schemas.microsoft.com/office/powerpoint/2010/main" val="1270071689"/>
+        <p14:creationId xmlns:p14="http://schemas.microsoft.com/office/powerpoint/2010/main" xmlns="" val="1270071689"/>
       </p:ext>
     </p:extLst>
   </p:cSld>
@@ -1434,7 +1403,7 @@
     </p:spTree>
     <p:extLst>
       <p:ext uri="{BB962C8B-B14F-4D97-AF65-F5344CB8AC3E}">
-        <p14:creationId xmlns:p14="http://schemas.microsoft.com/office/powerpoint/2010/main" val="1397104184"/>
+        <p14:creationId xmlns:p14="http://schemas.microsoft.com/office/powerpoint/2010/main" xmlns="" val="1397104184"/>
       </p:ext>
     </p:extLst>
   </p:cSld>
@@ -1636,7 +1605,7 @@
     </p:spTree>
     <p:extLst>
       <p:ext uri="{BB962C8B-B14F-4D97-AF65-F5344CB8AC3E}">
-        <p14:creationId xmlns:p14="http://schemas.microsoft.com/office/powerpoint/2010/main" val="2052209535"/>
+        <p14:creationId xmlns:p14="http://schemas.microsoft.com/office/powerpoint/2010/main" xmlns="" val="2052209535"/>
       </p:ext>
     </p:extLst>
   </p:cSld>
@@ -1914,7 +1883,7 @@
     </p:spTree>
     <p:extLst>
       <p:ext uri="{BB962C8B-B14F-4D97-AF65-F5344CB8AC3E}">
-        <p14:creationId xmlns:p14="http://schemas.microsoft.com/office/powerpoint/2010/main" val="700848067"/>
+        <p14:creationId xmlns:p14="http://schemas.microsoft.com/office/powerpoint/2010/main" xmlns="" val="700848067"/>
       </p:ext>
     </p:extLst>
   </p:cSld>
@@ -2234,7 +2203,7 @@
     </p:spTree>
     <p:extLst>
       <p:ext uri="{BB962C8B-B14F-4D97-AF65-F5344CB8AC3E}">
-        <p14:creationId xmlns:p14="http://schemas.microsoft.com/office/powerpoint/2010/main" val="2333732383"/>
+        <p14:creationId xmlns:p14="http://schemas.microsoft.com/office/powerpoint/2010/main" xmlns="" val="2333732383"/>
       </p:ext>
     </p:extLst>
   </p:cSld>
@@ -2688,7 +2657,7 @@
     </p:spTree>
     <p:extLst>
       <p:ext uri="{BB962C8B-B14F-4D97-AF65-F5344CB8AC3E}">
-        <p14:creationId xmlns:p14="http://schemas.microsoft.com/office/powerpoint/2010/main" val="1868228857"/>
+        <p14:creationId xmlns:p14="http://schemas.microsoft.com/office/powerpoint/2010/main" xmlns="" val="1868228857"/>
       </p:ext>
     </p:extLst>
   </p:cSld>
@@ -2838,7 +2807,7 @@
     </p:spTree>
     <p:extLst>
       <p:ext uri="{BB962C8B-B14F-4D97-AF65-F5344CB8AC3E}">
-        <p14:creationId xmlns:p14="http://schemas.microsoft.com/office/powerpoint/2010/main" val="3493117512"/>
+        <p14:creationId xmlns:p14="http://schemas.microsoft.com/office/powerpoint/2010/main" xmlns="" val="3493117512"/>
       </p:ext>
     </p:extLst>
   </p:cSld>
@@ -2965,7 +2934,7 @@
     </p:spTree>
     <p:extLst>
       <p:ext uri="{BB962C8B-B14F-4D97-AF65-F5344CB8AC3E}">
-        <p14:creationId xmlns:p14="http://schemas.microsoft.com/office/powerpoint/2010/main" val="55831848"/>
+        <p14:creationId xmlns:p14="http://schemas.microsoft.com/office/powerpoint/2010/main" xmlns="" val="55831848"/>
       </p:ext>
     </p:extLst>
   </p:cSld>
@@ -3274,7 +3243,7 @@
     </p:spTree>
     <p:extLst>
       <p:ext uri="{BB962C8B-B14F-4D97-AF65-F5344CB8AC3E}">
-        <p14:creationId xmlns:p14="http://schemas.microsoft.com/office/powerpoint/2010/main" val="4269593650"/>
+        <p14:creationId xmlns:p14="http://schemas.microsoft.com/office/powerpoint/2010/main" xmlns="" val="4269593650"/>
       </p:ext>
     </p:extLst>
   </p:cSld>
@@ -3559,7 +3528,7 @@
     </p:spTree>
     <p:extLst>
       <p:ext uri="{BB962C8B-B14F-4D97-AF65-F5344CB8AC3E}">
-        <p14:creationId xmlns:p14="http://schemas.microsoft.com/office/powerpoint/2010/main" val="3429307463"/>
+        <p14:creationId xmlns:p14="http://schemas.microsoft.com/office/powerpoint/2010/main" xmlns="" val="3429307463"/>
       </p:ext>
     </p:extLst>
   </p:cSld>
@@ -3849,7 +3818,7 @@
     </p:spTree>
     <p:extLst>
       <p:ext uri="{BB962C8B-B14F-4D97-AF65-F5344CB8AC3E}">
-        <p14:creationId xmlns:p14="http://schemas.microsoft.com/office/powerpoint/2010/main" val="4101540237"/>
+        <p14:creationId xmlns:p14="http://schemas.microsoft.com/office/powerpoint/2010/main" xmlns="" val="4101540237"/>
       </p:ext>
     </p:extLst>
   </p:cSld>
@@ -4191,15 +4160,7 @@
                   <a:schemeClr val="bg1"/>
                 </a:solidFill>
               </a:rPr>
-              <a:t>This project intends to find a novel way of powering a device without the use of battery </a:t>
-            </a:r>
-            <a:r>
-              <a:rPr lang="en-US" dirty="0" smtClean="0">
-                <a:solidFill>
-                  <a:schemeClr val="bg1"/>
-                </a:solidFill>
-              </a:rPr>
-              <a:t>power</a:t>
+              <a:t>This project intends to find a novel way of powering a device without the use of battery power</a:t>
             </a:r>
           </a:p>
           <a:p>
@@ -4247,7 +4208,7 @@
     </p:spTree>
     <p:extLst>
       <p:ext uri="{BB962C8B-B14F-4D97-AF65-F5344CB8AC3E}">
-        <p14:creationId xmlns:p14="http://schemas.microsoft.com/office/powerpoint/2010/main" val="2159322064"/>
+        <p14:creationId xmlns:p14="http://schemas.microsoft.com/office/powerpoint/2010/main" xmlns="" val="2159322064"/>
       </p:ext>
     </p:extLst>
   </p:cSld>
@@ -4367,7 +4328,7 @@
     </p:spTree>
     <p:extLst>
       <p:ext uri="{BB962C8B-B14F-4D97-AF65-F5344CB8AC3E}">
-        <p14:creationId xmlns:p14="http://schemas.microsoft.com/office/powerpoint/2010/main" val="467426380"/>
+        <p14:creationId xmlns:p14="http://schemas.microsoft.com/office/powerpoint/2010/main" xmlns="" val="467426380"/>
       </p:ext>
     </p:extLst>
   </p:cSld>
@@ -4481,15 +4442,7 @@
                   <a:schemeClr val="bg1"/>
                 </a:solidFill>
               </a:rPr>
-              <a:t>Withstanding corrosion from salt </a:t>
-            </a:r>
-            <a:r>
-              <a:rPr lang="en-US" sz="3200" dirty="0" smtClean="0">
-                <a:solidFill>
-                  <a:schemeClr val="bg1"/>
-                </a:solidFill>
-              </a:rPr>
-              <a:t>water</a:t>
+              <a:t>Withstanding corrosion from salt water</a:t>
             </a:r>
           </a:p>
           <a:p>
@@ -4561,7 +4514,7 @@
     </p:spTree>
     <p:extLst>
       <p:ext uri="{BB962C8B-B14F-4D97-AF65-F5344CB8AC3E}">
-        <p14:creationId xmlns:p14="http://schemas.microsoft.com/office/powerpoint/2010/main" val="4083383240"/>
+        <p14:creationId xmlns:p14="http://schemas.microsoft.com/office/powerpoint/2010/main" xmlns="" val="4083383240"/>
       </p:ext>
     </p:extLst>
   </p:cSld>
@@ -4609,7 +4562,7 @@
                   <a:schemeClr val="bg1"/>
                 </a:solidFill>
               </a:rPr>
-              <a:t>Theory of Operation</a:t>
+              <a:t>Undersea Challenges</a:t>
             </a:r>
             <a:endParaRPr lang="en-US" dirty="0">
               <a:solidFill>
@@ -4621,151 +4574,71 @@
       </p:sp>
       <p:sp>
         <p:nvSpPr>
-          <p:cNvPr id="1026" name="Rectangle 2"/>
-          <p:cNvSpPr>
-            <a:spLocks noChangeArrowheads="1"/>
-          </p:cNvSpPr>
-          <p:nvPr/>
-        </p:nvSpPr>
-        <p:spPr bwMode="auto">
-          <a:xfrm>
-            <a:off x="0" y="0"/>
-            <a:ext cx="9144000" cy="0"/>
-          </a:xfrm>
-          <a:prstGeom prst="rect">
-            <a:avLst/>
-          </a:prstGeom>
-          <a:noFill/>
-          <a:ln w="9525">
-            <a:noFill/>
-            <a:miter lim="800000"/>
-            <a:headEnd/>
-            <a:tailEnd/>
-          </a:ln>
-          <a:effectLst/>
-        </p:spPr>
-        <p:txBody>
-          <a:bodyPr vert="horz" wrap="none" lIns="91440" tIns="45720" rIns="91440" bIns="45720" numCol="1" anchor="ctr" anchorCtr="0" compatLnSpc="1">
-            <a:prstTxWarp prst="textNoShape">
-              <a:avLst/>
-            </a:prstTxWarp>
-            <a:spAutoFit/>
+          <p:cNvPr id="3" name="Content Placeholder 2"/>
+          <p:cNvSpPr>
+            <a:spLocks noGrp="1"/>
+          </p:cNvSpPr>
+          <p:nvPr>
+            <p:ph idx="1"/>
+          </p:nvPr>
+        </p:nvSpPr>
+        <p:spPr/>
+        <p:txBody>
+          <a:bodyPr>
+            <a:normAutofit fontScale="92500" lnSpcReduction="10000"/>
           </a:bodyPr>
           <a:lstStyle/>
           <a:p>
-            <a:endParaRPr lang="en-US"/>
-          </a:p>
-        </p:txBody>
-      </p:sp>
-      <p:graphicFrame>
-        <p:nvGraphicFramePr>
-          <p:cNvPr id="1025" name="Object 1"/>
-          <p:cNvGraphicFramePr>
-            <a:graphicFrameLocks noChangeAspect="1"/>
-          </p:cNvGraphicFramePr>
-          <p:nvPr>
-            <p:extLst>
-              <p:ext uri="{D42A27DB-BD31-4B8C-83A1-F6EECF244321}">
-                <p14:modId xmlns:p14="http://schemas.microsoft.com/office/powerpoint/2010/main" val="1957592124"/>
-              </p:ext>
-            </p:extLst>
-          </p:nvPr>
-        </p:nvGraphicFramePr>
-        <p:xfrm>
-          <a:off x="539552" y="1628800"/>
-          <a:ext cx="7862207" cy="685800"/>
-        </p:xfrm>
-        <a:graphic>
-          <a:graphicData uri="http://schemas.openxmlformats.org/presentationml/2006/ole">
-            <mc:AlternateContent xmlns:mc="http://schemas.openxmlformats.org/markup-compatibility/2006">
-              <mc:Choice xmlns:v="urn:schemas-microsoft-com:vml" Requires="v">
-                <p:oleObj spid="_x0000_s1034" r:id="rId3" imgW="6686839" imgH="583316" progId="Visio.Drawing.11">
-                  <p:embed/>
-                </p:oleObj>
-              </mc:Choice>
-              <mc:Fallback>
-                <p:oleObj r:id="rId3" imgW="6686839" imgH="583316" progId="Visio.Drawing.11">
-                  <p:embed/>
-                  <p:pic>
-                    <p:nvPicPr>
-                      <p:cNvPr id="0" name=""/>
-                      <p:cNvPicPr>
-                        <a:picLocks noChangeAspect="1" noChangeArrowheads="1"/>
-                      </p:cNvPicPr>
-                      <p:nvPr/>
-                    </p:nvPicPr>
-                    <p:blipFill>
-                      <a:blip r:embed="rId4">
-                        <a:extLst>
-                          <a:ext uri="{28A0092B-C50C-407E-A947-70E740481C1C}">
-                            <a14:useLocalDpi xmlns:a14="http://schemas.microsoft.com/office/drawing/2010/main" val="0"/>
-                          </a:ext>
-                        </a:extLst>
-                      </a:blip>
-                      <a:srcRect/>
-                      <a:stretch>
-                        <a:fillRect/>
-                      </a:stretch>
-                    </p:blipFill>
-                    <p:spPr bwMode="auto">
-                      <a:xfrm>
-                        <a:off x="539552" y="1628800"/>
-                        <a:ext cx="7862207" cy="685800"/>
-                      </a:xfrm>
-                      <a:prstGeom prst="rect">
-                        <a:avLst/>
-                      </a:prstGeom>
-                      <a:noFill/>
-                      <a:extLst>
-                        <a:ext uri="{909E8E84-426E-40DD-AFC4-6F175D3DCCD1}">
-                          <a14:hiddenFill xmlns:a14="http://schemas.microsoft.com/office/drawing/2010/main">
-                            <a:solidFill>
-                              <a:srgbClr val="FFFFFF"/>
-                            </a:solidFill>
-                          </a14:hiddenFill>
-                        </a:ext>
-                      </a:extLst>
-                    </p:spPr>
-                  </p:pic>
-                </p:oleObj>
-              </mc:Fallback>
-            </mc:AlternateContent>
-          </a:graphicData>
-        </a:graphic>
-      </p:graphicFrame>
-      <p:pic>
-        <p:nvPicPr>
-          <p:cNvPr id="5" name="Picture 4"/>
-          <p:cNvPicPr/>
-          <p:nvPr/>
-        </p:nvPicPr>
-        <p:blipFill rotWithShape="1">
-          <a:blip r:embed="rId5" cstate="print"/>
-          <a:srcRect l="40935" t="25239" r="21126" b="20767"/>
-          <a:stretch/>
-        </p:blipFill>
-        <p:spPr bwMode="auto">
-          <a:xfrm>
-            <a:off x="2339752" y="2606095"/>
-            <a:ext cx="4251176" cy="3781308"/>
-          </a:xfrm>
-          <a:prstGeom prst="rect">
-            <a:avLst/>
-          </a:prstGeom>
-          <a:ln>
-            <a:noFill/>
-          </a:ln>
-          <a:extLst>
-            <a:ext uri="{53640926-AAD7-44D8-BBD7-CCE9431645EC}">
-              <a14:shadowObscured xmlns:a14="http://schemas.microsoft.com/office/drawing/2010/main"/>
-            </a:ext>
-          </a:extLst>
-        </p:spPr>
-      </p:pic>
+            <a:r>
+              <a:rPr lang="en-US" dirty="0" smtClean="0">
+                <a:solidFill>
+                  <a:schemeClr val="bg1"/>
+                </a:solidFill>
+              </a:rPr>
+              <a:t>To stop water from getting in, it must be water tight but to stop the pressure from crushing it, the robot must be filled with a non-compressible, non-conducting liquid, a good choice is therefore oil.</a:t>
+            </a:r>
+          </a:p>
+          <a:p>
+            <a:r>
+              <a:rPr lang="en-US" dirty="0" smtClean="0">
+                <a:solidFill>
+                  <a:schemeClr val="bg1"/>
+                </a:solidFill>
+              </a:rPr>
+              <a:t>To avoid rust the exterior of the robot will be made from </a:t>
+            </a:r>
+            <a:r>
+              <a:rPr lang="en-US" dirty="0" smtClean="0">
+                <a:solidFill>
+                  <a:schemeClr val="bg1"/>
+                </a:solidFill>
+              </a:rPr>
+              <a:t>plastic</a:t>
+            </a:r>
+          </a:p>
+          <a:p>
+            <a:r>
+              <a:rPr lang="en-US" dirty="0" smtClean="0">
+                <a:solidFill>
+                  <a:schemeClr val="bg1"/>
+                </a:solidFill>
+              </a:rPr>
+              <a:t>Tank tracks will be used to give maximum traction and to spread weight to stop sinking occurring in the soft sediment</a:t>
+            </a:r>
+          </a:p>
+          <a:p>
+            <a:endParaRPr lang="en-US" dirty="0">
+              <a:solidFill>
+                <a:schemeClr val="bg1"/>
+              </a:solidFill>
+            </a:endParaRPr>
+          </a:p>
+        </p:txBody>
+      </p:sp>
     </p:spTree>
     <p:extLst>
       <p:ext uri="{BB962C8B-B14F-4D97-AF65-F5344CB8AC3E}">
-        <p14:creationId xmlns:p14="http://schemas.microsoft.com/office/powerpoint/2010/main" val="2616248011"/>
+        <p14:creationId xmlns:p14="http://schemas.microsoft.com/office/powerpoint/2010/main" xmlns="" val="4189870048"/>
       </p:ext>
     </p:extLst>
   </p:cSld>
@@ -4813,7 +4686,7 @@
                   <a:schemeClr val="bg1"/>
                 </a:solidFill>
               </a:rPr>
-              <a:t>Undersea Challenges</a:t>
+              <a:t>Theory of Operation</a:t>
             </a:r>
             <a:endParaRPr lang="en-US" dirty="0">
               <a:solidFill>
@@ -4825,65 +4698,101 @@
       </p:sp>
       <p:sp>
         <p:nvSpPr>
-          <p:cNvPr id="3" name="Content Placeholder 2"/>
-          <p:cNvSpPr>
-            <a:spLocks noGrp="1"/>
-          </p:cNvSpPr>
-          <p:nvPr>
-            <p:ph idx="1"/>
-          </p:nvPr>
-        </p:nvSpPr>
-        <p:spPr/>
-        <p:txBody>
-          <a:bodyPr/>
+          <p:cNvPr id="1026" name="Rectangle 2"/>
+          <p:cNvSpPr>
+            <a:spLocks noChangeArrowheads="1"/>
+          </p:cNvSpPr>
+          <p:nvPr/>
+        </p:nvSpPr>
+        <p:spPr bwMode="auto">
+          <a:xfrm>
+            <a:off x="0" y="0"/>
+            <a:ext cx="9144000" cy="0"/>
+          </a:xfrm>
+          <a:prstGeom prst="rect">
+            <a:avLst/>
+          </a:prstGeom>
+          <a:noFill/>
+          <a:ln w="9525">
+            <a:noFill/>
+            <a:miter lim="800000"/>
+            <a:headEnd/>
+            <a:tailEnd/>
+          </a:ln>
+          <a:effectLst/>
+        </p:spPr>
+        <p:txBody>
+          <a:bodyPr vert="horz" wrap="none" lIns="91440" tIns="45720" rIns="91440" bIns="45720" numCol="1" anchor="ctr" anchorCtr="0" compatLnSpc="1">
+            <a:prstTxWarp prst="textNoShape">
+              <a:avLst/>
+            </a:prstTxWarp>
+            <a:spAutoFit/>
+          </a:bodyPr>
           <a:lstStyle/>
           <a:p>
-            <a:r>
-              <a:rPr lang="en-US" dirty="0" smtClean="0">
-                <a:solidFill>
-                  <a:schemeClr val="bg1"/>
-                </a:solidFill>
-              </a:rPr>
-              <a:t>To stop water from getting in, it must be water tight but to stop the pressure from crushing it, the robot must be filled with a non-compressible, non-conducting liquid, </a:t>
-            </a:r>
-            <a:r>
-              <a:rPr lang="en-US" dirty="0" smtClean="0">
-                <a:solidFill>
-                  <a:schemeClr val="bg1"/>
-                </a:solidFill>
-              </a:rPr>
-              <a:t>a good choice is therefore oil</a:t>
-            </a:r>
-            <a:r>
-              <a:rPr lang="en-US" dirty="0" smtClean="0">
-                <a:solidFill>
-                  <a:schemeClr val="bg1"/>
-                </a:solidFill>
-              </a:rPr>
-              <a:t>.</a:t>
-            </a:r>
-          </a:p>
-          <a:p>
-            <a:r>
-              <a:rPr lang="en-US" dirty="0" smtClean="0">
-                <a:solidFill>
-                  <a:schemeClr val="bg1"/>
-                </a:solidFill>
-              </a:rPr>
-              <a:t>To avoid rust the exterior of the robot will be made from plastic</a:t>
-            </a:r>
-            <a:endParaRPr lang="en-US" dirty="0">
-              <a:solidFill>
-                <a:schemeClr val="bg1"/>
-              </a:solidFill>
-            </a:endParaRPr>
-          </a:p>
-        </p:txBody>
-      </p:sp>
+            <a:endParaRPr lang="en-US"/>
+          </a:p>
+        </p:txBody>
+      </p:sp>
+      <p:graphicFrame>
+        <p:nvGraphicFramePr>
+          <p:cNvPr id="1025" name="Object 1"/>
+          <p:cNvGraphicFramePr>
+            <a:graphicFrameLocks noChangeAspect="1"/>
+          </p:cNvGraphicFramePr>
+          <p:nvPr>
+            <p:extLst>
+              <p:ext uri="{D42A27DB-BD31-4B8C-83A1-F6EECF244321}">
+                <p14:modId xmlns:p14="http://schemas.microsoft.com/office/powerpoint/2010/main" xmlns="" val="1957592124"/>
+              </p:ext>
+            </p:extLst>
+          </p:nvPr>
+        </p:nvGraphicFramePr>
+        <p:xfrm>
+          <a:off x="539552" y="1628800"/>
+          <a:ext cx="7862207" cy="685800"/>
+        </p:xfrm>
+        <a:graphic>
+          <a:graphicData uri="http://schemas.openxmlformats.org/presentationml/2006/ole">
+            <p:oleObj spid="_x0000_s1034" r:id="rId3" imgW="6686839" imgH="583316" progId="">
+              <p:embed/>
+            </p:oleObj>
+          </a:graphicData>
+        </a:graphic>
+      </p:graphicFrame>
+      <p:pic>
+        <p:nvPicPr>
+          <p:cNvPr id="5" name="Picture 4"/>
+          <p:cNvPicPr/>
+          <p:nvPr/>
+        </p:nvPicPr>
+        <p:blipFill rotWithShape="1">
+          <a:blip r:embed="rId4" cstate="print"/>
+          <a:srcRect l="40935" t="25239" r="21126" b="20767"/>
+          <a:stretch/>
+        </p:blipFill>
+        <p:spPr bwMode="auto">
+          <a:xfrm>
+            <a:off x="2339752" y="2606095"/>
+            <a:ext cx="4251176" cy="3781308"/>
+          </a:xfrm>
+          <a:prstGeom prst="rect">
+            <a:avLst/>
+          </a:prstGeom>
+          <a:ln>
+            <a:noFill/>
+          </a:ln>
+          <a:extLst>
+            <a:ext uri="{53640926-AAD7-44D8-BBD7-CCE9431645EC}">
+              <a14:shadowObscured xmlns:a14="http://schemas.microsoft.com/office/drawing/2010/main" xmlns=""/>
+            </a:ext>
+          </a:extLst>
+        </p:spPr>
+      </p:pic>
     </p:spTree>
     <p:extLst>
       <p:ext uri="{BB962C8B-B14F-4D97-AF65-F5344CB8AC3E}">
-        <p14:creationId xmlns:p14="http://schemas.microsoft.com/office/powerpoint/2010/main" val="4189870048"/>
+        <p14:creationId xmlns:p14="http://schemas.microsoft.com/office/powerpoint/2010/main" xmlns="" val="2616248011"/>
       </p:ext>
     </p:extLst>
   </p:cSld>
@@ -5146,7 +5055,7 @@
     </p:spTree>
     <p:extLst>
       <p:ext uri="{BB962C8B-B14F-4D97-AF65-F5344CB8AC3E}">
-        <p14:creationId xmlns:p14="http://schemas.microsoft.com/office/powerpoint/2010/main" val="535781296"/>
+        <p14:creationId xmlns:p14="http://schemas.microsoft.com/office/powerpoint/2010/main" xmlns="" val="535781296"/>
       </p:ext>
     </p:extLst>
   </p:cSld>
@@ -5211,7 +5120,7 @@
           <p:nvPr>
             <p:extLst>
               <p:ext uri="{D42A27DB-BD31-4B8C-83A1-F6EECF244321}">
-                <p14:modId xmlns:p14="http://schemas.microsoft.com/office/powerpoint/2010/main" val="3297411017"/>
+                <p14:modId xmlns:p14="http://schemas.microsoft.com/office/powerpoint/2010/main" xmlns="" val="3297411017"/>
               </p:ext>
             </p:extLst>
           </p:nvPr>
@@ -6027,7 +5936,7 @@
     </p:spTree>
     <p:extLst>
       <p:ext uri="{BB962C8B-B14F-4D97-AF65-F5344CB8AC3E}">
-        <p14:creationId xmlns:p14="http://schemas.microsoft.com/office/powerpoint/2010/main" val="2823376196"/>
+        <p14:creationId xmlns:p14="http://schemas.microsoft.com/office/powerpoint/2010/main" xmlns="" val="2823376196"/>
       </p:ext>
     </p:extLst>
   </p:cSld>
@@ -6154,15 +6063,7 @@
                   <a:schemeClr val="bg1"/>
                 </a:solidFill>
               </a:rPr>
-              <a:t>Current given at 2400 rpm = 5.4 </a:t>
-            </a:r>
-            <a:r>
-              <a:rPr lang="en-US" dirty="0" smtClean="0">
-                <a:solidFill>
-                  <a:schemeClr val="bg1"/>
-                </a:solidFill>
-              </a:rPr>
-              <a:t>A</a:t>
+              <a:t>Current given at 2400 rpm = 5.4 A</a:t>
             </a:r>
           </a:p>
           <a:p>
@@ -6255,7 +6156,7 @@
           <p:nvPr>
             <p:extLst>
               <p:ext uri="{D42A27DB-BD31-4B8C-83A1-F6EECF244321}">
-                <p14:modId xmlns:p14="http://schemas.microsoft.com/office/powerpoint/2010/main" val="3944346509"/>
+                <p14:modId xmlns:p14="http://schemas.microsoft.com/office/powerpoint/2010/main" xmlns="" val="3944346509"/>
               </p:ext>
             </p:extLst>
           </p:nvPr>
@@ -6266,79 +6167,16 @@
         </p:xfrm>
         <a:graphic>
           <a:graphicData uri="http://schemas.openxmlformats.org/presentationml/2006/ole">
-            <mc:AlternateContent xmlns:mc="http://schemas.openxmlformats.org/markup-compatibility/2006">
-              <mc:Choice xmlns:v="urn:schemas-microsoft-com:vml" Requires="v">
-                <p:oleObj spid="_x0000_s3077" name="Visio" r:id="rId3" imgW="6066728" imgH="858215" progId="Visio.Drawing.11">
-                  <p:embed/>
-                </p:oleObj>
-              </mc:Choice>
-              <mc:Fallback>
-                <p:oleObj name="Visio" r:id="rId3" imgW="6066728" imgH="858215" progId="Visio.Drawing.11">
-                  <p:embed/>
-                  <p:pic>
-                    <p:nvPicPr>
-                      <p:cNvPr id="0" name="Object 5"/>
-                      <p:cNvPicPr>
-                        <a:picLocks noChangeAspect="1" noChangeArrowheads="1"/>
-                      </p:cNvPicPr>
-                      <p:nvPr/>
-                    </p:nvPicPr>
-                    <p:blipFill>
-                      <a:blip r:embed="rId4">
-                        <a:extLst>
-                          <a:ext uri="{28A0092B-C50C-407E-A947-70E740481C1C}">
-                            <a14:useLocalDpi xmlns:a14="http://schemas.microsoft.com/office/drawing/2010/main" val="0"/>
-                          </a:ext>
-                        </a:extLst>
-                      </a:blip>
-                      <a:srcRect/>
-                      <a:stretch>
-                        <a:fillRect/>
-                      </a:stretch>
-                    </p:blipFill>
-                    <p:spPr bwMode="auto">
-                      <a:xfrm>
-                        <a:off x="1547664" y="4293096"/>
-                        <a:ext cx="6067425" cy="857250"/>
-                      </a:xfrm>
-                      <a:prstGeom prst="rect">
-                        <a:avLst/>
-                      </a:prstGeom>
-                      <a:noFill/>
-                      <a:ln>
-                        <a:noFill/>
-                      </a:ln>
-                      <a:extLst>
-                        <a:ext uri="{909E8E84-426E-40DD-AFC4-6F175D3DCCD1}">
-                          <a14:hiddenFill xmlns:a14="http://schemas.microsoft.com/office/drawing/2010/main">
-                            <a:solidFill>
-                              <a:srgbClr val="FFFFFF"/>
-                            </a:solidFill>
-                          </a14:hiddenFill>
-                        </a:ext>
-                        <a:ext uri="{91240B29-F687-4F45-9708-019B960494DF}">
-                          <a14:hiddenLine xmlns:a14="http://schemas.microsoft.com/office/drawing/2010/main" w="9525">
-                            <a:solidFill>
-                              <a:srgbClr val="000000"/>
-                            </a:solidFill>
-                            <a:miter lim="800000"/>
-                            <a:headEnd/>
-                            <a:tailEnd/>
-                          </a14:hiddenLine>
-                        </a:ext>
-                      </a:extLst>
-                    </p:spPr>
-                  </p:pic>
-                </p:oleObj>
-              </mc:Fallback>
-            </mc:AlternateContent>
+            <p:oleObj spid="_x0000_s3077" name="Visio" r:id="rId3" imgW="6066728" imgH="858215" progId="">
+              <p:embed/>
+            </p:oleObj>
           </a:graphicData>
         </a:graphic>
       </p:graphicFrame>
     </p:spTree>
     <p:extLst>
       <p:ext uri="{BB962C8B-B14F-4D97-AF65-F5344CB8AC3E}">
-        <p14:creationId xmlns:p14="http://schemas.microsoft.com/office/powerpoint/2010/main" val="3043069130"/>
+        <p14:creationId xmlns:p14="http://schemas.microsoft.com/office/powerpoint/2010/main" xmlns="" val="3043069130"/>
       </p:ext>
     </p:extLst>
   </p:cSld>
@@ -6594,7 +6432,7 @@
     </p:spTree>
     <p:extLst>
       <p:ext uri="{BB962C8B-B14F-4D97-AF65-F5344CB8AC3E}">
-        <p14:creationId xmlns:p14="http://schemas.microsoft.com/office/powerpoint/2010/main" val="3178064340"/>
+        <p14:creationId xmlns:p14="http://schemas.microsoft.com/office/powerpoint/2010/main" xmlns="" val="3178064340"/>
       </p:ext>
     </p:extLst>
   </p:cSld>

--- a/demo.pptx
+++ b/demo.pptx
@@ -4,6 +4,9 @@
   <p:sldMasterIdLst>
     <p:sldMasterId id="2147483660" r:id="rId1"/>
   </p:sldMasterIdLst>
+  <p:handoutMasterIdLst>
+    <p:handoutMasterId r:id="rId11"/>
+  </p:handoutMasterIdLst>
   <p:sldIdLst>
     <p:sldId id="257" r:id="rId2"/>
     <p:sldId id="258" r:id="rId3"/>
@@ -16,7 +19,7 @@
     <p:sldId id="267" r:id="rId10"/>
   </p:sldIdLst>
   <p:sldSz cx="9144000" cy="6858000" type="screen4x3"/>
-  <p:notesSz cx="6858000" cy="9144000"/>
+  <p:notesSz cx="6794500" cy="9931400"/>
   <p:defaultTextStyle>
     <a:defPPr>
       <a:defRPr lang="en-US"/>
@@ -117,12 +120,24 @@
 
 <file path=ppt/charts/chart1.xml><?xml version="1.0" encoding="utf-8"?>
 <c:chartSpace xmlns:c="http://schemas.openxmlformats.org/drawingml/2006/chart" xmlns:a="http://schemas.openxmlformats.org/drawingml/2006/main" xmlns:r="http://schemas.openxmlformats.org/officeDocument/2006/relationships">
-  <c:lang val="en-US"/>
+  <c:date1904 val="0"/>
+  <c:lang val="en-NZ"/>
+  <c:roundedCorners val="0"/>
+  <mc:AlternateContent xmlns:mc="http://schemas.openxmlformats.org/markup-compatibility/2006">
+    <mc:Choice xmlns:c14="http://schemas.microsoft.com/office/drawing/2007/8/2/chart" Requires="c14">
+      <c14:style val="102"/>
+    </mc:Choice>
+    <mc:Fallback>
+      <c:style val="2"/>
+    </mc:Fallback>
+  </mc:AlternateContent>
   <c:chart>
+    <c:autoTitleDeleted val="0"/>
     <c:plotArea>
       <c:layout/>
       <c:scatterChart>
         <c:scatterStyle val="smoothMarker"/>
+        <c:varyColors val="0"/>
         <c:ser>
           <c:idx val="0"/>
           <c:order val="0"/>
@@ -603,15 +618,23 @@
           </c:yVal>
           <c:smooth val="1"/>
         </c:ser>
-        <c:dLbls/>
-        <c:axId val="100305920"/>
-        <c:axId val="100316288"/>
+        <c:dLbls>
+          <c:showLegendKey val="0"/>
+          <c:showVal val="0"/>
+          <c:showCatName val="0"/>
+          <c:showSerName val="0"/>
+          <c:showPercent val="0"/>
+          <c:showBubbleSize val="0"/>
+        </c:dLbls>
+        <c:axId val="84253312"/>
+        <c:axId val="84271872"/>
       </c:scatterChart>
       <c:valAx>
-        <c:axId val="100305920"/>
+        <c:axId val="84253312"/>
         <c:scaling>
           <c:orientation val="minMax"/>
         </c:scaling>
+        <c:delete val="0"/>
         <c:axPos val="b"/>
         <c:title>
           <c:tx>
@@ -630,8 +653,11 @@
             </c:rich>
           </c:tx>
           <c:layout/>
+          <c:overlay val="0"/>
         </c:title>
         <c:numFmt formatCode="0.000" sourceLinked="1"/>
+        <c:majorTickMark val="out"/>
+        <c:minorTickMark val="none"/>
         <c:tickLblPos val="nextTo"/>
         <c:txPr>
           <a:bodyPr/>
@@ -643,16 +669,17 @@
             <a:endParaRPr lang="en-US"/>
           </a:p>
         </c:txPr>
-        <c:crossAx val="100316288"/>
+        <c:crossAx val="84271872"/>
         <c:crosses val="autoZero"/>
         <c:crossBetween val="midCat"/>
       </c:valAx>
       <c:valAx>
-        <c:axId val="100316288"/>
+        <c:axId val="84271872"/>
         <c:scaling>
           <c:orientation val="minMax"/>
           <c:max val="40"/>
         </c:scaling>
+        <c:delete val="0"/>
         <c:axPos val="l"/>
         <c:majorGridlines/>
         <c:title>
@@ -680,8 +707,11 @@
             </c:rich>
           </c:tx>
           <c:layout/>
+          <c:overlay val="0"/>
         </c:title>
         <c:numFmt formatCode="0.000" sourceLinked="1"/>
+        <c:majorTickMark val="out"/>
+        <c:minorTickMark val="none"/>
         <c:tickLblPos val="nextTo"/>
         <c:txPr>
           <a:bodyPr/>
@@ -693,7 +723,7 @@
             <a:endParaRPr lang="en-US"/>
           </a:p>
         </c:txPr>
-        <c:crossAx val="100305920"/>
+        <c:crossAx val="84253312"/>
         <c:crosses val="autoZero"/>
         <c:crossBetween val="midCat"/>
         <c:majorUnit val="10"/>
@@ -702,6 +732,7 @@
     <c:legend>
       <c:legendPos val="r"/>
       <c:layout/>
+      <c:overlay val="0"/>
       <c:txPr>
         <a:bodyPr/>
         <a:lstStyle/>
@@ -715,14 +746,182 @@
     </c:legend>
     <c:plotVisOnly val="1"/>
     <c:dispBlanksAs val="gap"/>
+    <c:showDLblsOverMax val="0"/>
   </c:chart>
   <c:spPr>
     <a:solidFill>
       <a:schemeClr val="bg1"/>
     </a:solidFill>
   </c:spPr>
-  <c:externalData r:id="rId1"/>
+  <c:externalData r:id="rId1">
+    <c:autoUpdate val="0"/>
+  </c:externalData>
 </c:chartSpace>
+</file>
+
+<file path=ppt/handoutMasters/handoutMaster1.xml><?xml version="1.0" encoding="utf-8"?>
+<p:handoutMaster xmlns:a="http://schemas.openxmlformats.org/drawingml/2006/main" xmlns:r="http://schemas.openxmlformats.org/officeDocument/2006/relationships" xmlns:p="http://schemas.openxmlformats.org/presentationml/2006/main">
+  <p:cSld>
+    <p:bg>
+      <p:bgRef idx="1001">
+        <a:schemeClr val="bg1"/>
+      </p:bgRef>
+    </p:bg>
+    <p:spTree>
+      <p:nvGrpSpPr>
+        <p:cNvPr id="1" name=""/>
+        <p:cNvGrpSpPr/>
+        <p:nvPr/>
+      </p:nvGrpSpPr>
+      <p:grpSpPr>
+        <a:xfrm>
+          <a:off x="0" y="0"/>
+          <a:ext cx="0" cy="0"/>
+          <a:chOff x="0" y="0"/>
+          <a:chExt cx="0" cy="0"/>
+        </a:xfrm>
+      </p:grpSpPr>
+      <p:sp>
+        <p:nvSpPr>
+          <p:cNvPr id="2" name="Header Placeholder 1"/>
+          <p:cNvSpPr>
+            <a:spLocks noGrp="1"/>
+          </p:cNvSpPr>
+          <p:nvPr>
+            <p:ph type="hdr" sz="quarter"/>
+          </p:nvPr>
+        </p:nvSpPr>
+        <p:spPr>
+          <a:xfrm>
+            <a:off x="0" y="0"/>
+            <a:ext cx="2944283" cy="496570"/>
+          </a:xfrm>
+          <a:prstGeom prst="rect">
+            <a:avLst/>
+          </a:prstGeom>
+        </p:spPr>
+        <p:txBody>
+          <a:bodyPr vert="horz" lIns="91440" tIns="45720" rIns="91440" bIns="45720" rtlCol="0"/>
+          <a:lstStyle>
+            <a:lvl1pPr algn="l">
+              <a:defRPr sz="1200"/>
+            </a:lvl1pPr>
+          </a:lstStyle>
+          <a:p>
+            <a:endParaRPr lang="en-NZ"/>
+          </a:p>
+        </p:txBody>
+      </p:sp>
+      <p:sp>
+        <p:nvSpPr>
+          <p:cNvPr id="3" name="Date Placeholder 2"/>
+          <p:cNvSpPr>
+            <a:spLocks noGrp="1"/>
+          </p:cNvSpPr>
+          <p:nvPr>
+            <p:ph type="dt" sz="quarter" idx="1"/>
+          </p:nvPr>
+        </p:nvSpPr>
+        <p:spPr>
+          <a:xfrm>
+            <a:off x="3848645" y="0"/>
+            <a:ext cx="2944283" cy="496570"/>
+          </a:xfrm>
+          <a:prstGeom prst="rect">
+            <a:avLst/>
+          </a:prstGeom>
+        </p:spPr>
+        <p:txBody>
+          <a:bodyPr vert="horz" lIns="91440" tIns="45720" rIns="91440" bIns="45720" rtlCol="0"/>
+          <a:lstStyle>
+            <a:lvl1pPr algn="r">
+              <a:defRPr sz="1200"/>
+            </a:lvl1pPr>
+          </a:lstStyle>
+          <a:p>
+            <a:fld id="{B7689678-D9C7-4B66-B498-B0D9ECB213E9}" type="datetimeFigureOut">
+              <a:rPr lang="en-NZ" smtClean="0"/>
+              <a:t>6/09/2011</a:t>
+            </a:fld>
+            <a:endParaRPr lang="en-NZ"/>
+          </a:p>
+        </p:txBody>
+      </p:sp>
+      <p:sp>
+        <p:nvSpPr>
+          <p:cNvPr id="4" name="Footer Placeholder 3"/>
+          <p:cNvSpPr>
+            <a:spLocks noGrp="1"/>
+          </p:cNvSpPr>
+          <p:nvPr>
+            <p:ph type="ftr" sz="quarter" idx="2"/>
+          </p:nvPr>
+        </p:nvSpPr>
+        <p:spPr>
+          <a:xfrm>
+            <a:off x="0" y="9433106"/>
+            <a:ext cx="2944283" cy="496570"/>
+          </a:xfrm>
+          <a:prstGeom prst="rect">
+            <a:avLst/>
+          </a:prstGeom>
+        </p:spPr>
+        <p:txBody>
+          <a:bodyPr vert="horz" lIns="91440" tIns="45720" rIns="91440" bIns="45720" rtlCol="0" anchor="b"/>
+          <a:lstStyle>
+            <a:lvl1pPr algn="l">
+              <a:defRPr sz="1200"/>
+            </a:lvl1pPr>
+          </a:lstStyle>
+          <a:p>
+            <a:endParaRPr lang="en-NZ"/>
+          </a:p>
+        </p:txBody>
+      </p:sp>
+      <p:sp>
+        <p:nvSpPr>
+          <p:cNvPr id="5" name="Slide Number Placeholder 4"/>
+          <p:cNvSpPr>
+            <a:spLocks noGrp="1"/>
+          </p:cNvSpPr>
+          <p:nvPr>
+            <p:ph type="sldNum" sz="quarter" idx="3"/>
+          </p:nvPr>
+        </p:nvSpPr>
+        <p:spPr>
+          <a:xfrm>
+            <a:off x="3848645" y="9433106"/>
+            <a:ext cx="2944283" cy="496570"/>
+          </a:xfrm>
+          <a:prstGeom prst="rect">
+            <a:avLst/>
+          </a:prstGeom>
+        </p:spPr>
+        <p:txBody>
+          <a:bodyPr vert="horz" lIns="91440" tIns="45720" rIns="91440" bIns="45720" rtlCol="0" anchor="b"/>
+          <a:lstStyle>
+            <a:lvl1pPr algn="r">
+              <a:defRPr sz="1200"/>
+            </a:lvl1pPr>
+          </a:lstStyle>
+          <a:p>
+            <a:fld id="{700F9A67-60BC-4FAC-A528-B59B7FC4E7C4}" type="slidenum">
+              <a:rPr lang="en-NZ" smtClean="0"/>
+              <a:t>‹#›</a:t>
+            </a:fld>
+            <a:endParaRPr lang="en-NZ"/>
+          </a:p>
+        </p:txBody>
+      </p:sp>
+    </p:spTree>
+    <p:extLst>
+      <p:ext uri="{BB962C8B-B14F-4D97-AF65-F5344CB8AC3E}">
+        <p14:creationId xmlns:p14="http://schemas.microsoft.com/office/powerpoint/2010/main" val="1204260739"/>
+      </p:ext>
+    </p:extLst>
+  </p:cSld>
+  <p:clrMap bg1="lt1" tx1="dk1" bg2="lt2" tx2="dk2" accent1="accent1" accent2="accent2" accent3="accent3" accent4="accent4" accent5="accent5" accent6="accent6" hlink="hlink" folHlink="folHlink"/>
+</p:handoutMaster>
 </file>
 
 <file path=ppt/slideLayouts/slideLayout1.xml><?xml version="1.0" encoding="utf-8"?>
@@ -913,7 +1112,7 @@
                 </a:solidFill>
               </a:rPr>
               <a:pPr/>
-              <a:t>9/5/2011</a:t>
+              <a:t>9/6/2011</a:t>
             </a:fld>
             <a:endParaRPr lang="en-US">
               <a:solidFill>
@@ -989,7 +1188,7 @@
     </p:spTree>
     <p:extLst>
       <p:ext uri="{BB962C8B-B14F-4D97-AF65-F5344CB8AC3E}">
-        <p14:creationId xmlns:p14="http://schemas.microsoft.com/office/powerpoint/2010/main" xmlns="" val="1053039674"/>
+        <p14:creationId xmlns:p14="http://schemas.microsoft.com/office/powerpoint/2010/main" val="1053039674"/>
       </p:ext>
     </p:extLst>
   </p:cSld>
@@ -1115,7 +1314,7 @@
                 </a:solidFill>
               </a:rPr>
               <a:pPr/>
-              <a:t>9/5/2011</a:t>
+              <a:t>9/6/2011</a:t>
             </a:fld>
             <a:endParaRPr lang="en-US">
               <a:solidFill>
@@ -1191,7 +1390,7 @@
     </p:spTree>
     <p:extLst>
       <p:ext uri="{BB962C8B-B14F-4D97-AF65-F5344CB8AC3E}">
-        <p14:creationId xmlns:p14="http://schemas.microsoft.com/office/powerpoint/2010/main" xmlns="" val="1270071689"/>
+        <p14:creationId xmlns:p14="http://schemas.microsoft.com/office/powerpoint/2010/main" val="1270071689"/>
       </p:ext>
     </p:extLst>
   </p:cSld>
@@ -1327,7 +1526,7 @@
                 </a:solidFill>
               </a:rPr>
               <a:pPr/>
-              <a:t>9/5/2011</a:t>
+              <a:t>9/6/2011</a:t>
             </a:fld>
             <a:endParaRPr lang="en-US">
               <a:solidFill>
@@ -1403,7 +1602,7 @@
     </p:spTree>
     <p:extLst>
       <p:ext uri="{BB962C8B-B14F-4D97-AF65-F5344CB8AC3E}">
-        <p14:creationId xmlns:p14="http://schemas.microsoft.com/office/powerpoint/2010/main" xmlns="" val="1397104184"/>
+        <p14:creationId xmlns:p14="http://schemas.microsoft.com/office/powerpoint/2010/main" val="1397104184"/>
       </p:ext>
     </p:extLst>
   </p:cSld>
@@ -1529,7 +1728,7 @@
                 </a:solidFill>
               </a:rPr>
               <a:pPr/>
-              <a:t>9/5/2011</a:t>
+              <a:t>9/6/2011</a:t>
             </a:fld>
             <a:endParaRPr lang="en-US">
               <a:solidFill>
@@ -1605,7 +1804,7 @@
     </p:spTree>
     <p:extLst>
       <p:ext uri="{BB962C8B-B14F-4D97-AF65-F5344CB8AC3E}">
-        <p14:creationId xmlns:p14="http://schemas.microsoft.com/office/powerpoint/2010/main" xmlns="" val="2052209535"/>
+        <p14:creationId xmlns:p14="http://schemas.microsoft.com/office/powerpoint/2010/main" val="2052209535"/>
       </p:ext>
     </p:extLst>
   </p:cSld>
@@ -1807,7 +2006,7 @@
                 </a:solidFill>
               </a:rPr>
               <a:pPr/>
-              <a:t>9/5/2011</a:t>
+              <a:t>9/6/2011</a:t>
             </a:fld>
             <a:endParaRPr lang="en-US">
               <a:solidFill>
@@ -1883,7 +2082,7 @@
     </p:spTree>
     <p:extLst>
       <p:ext uri="{BB962C8B-B14F-4D97-AF65-F5344CB8AC3E}">
-        <p14:creationId xmlns:p14="http://schemas.microsoft.com/office/powerpoint/2010/main" xmlns="" val="700848067"/>
+        <p14:creationId xmlns:p14="http://schemas.microsoft.com/office/powerpoint/2010/main" val="700848067"/>
       </p:ext>
     </p:extLst>
   </p:cSld>
@@ -2127,7 +2326,7 @@
                 </a:solidFill>
               </a:rPr>
               <a:pPr/>
-              <a:t>9/5/2011</a:t>
+              <a:t>9/6/2011</a:t>
             </a:fld>
             <a:endParaRPr lang="en-US">
               <a:solidFill>
@@ -2203,7 +2402,7 @@
     </p:spTree>
     <p:extLst>
       <p:ext uri="{BB962C8B-B14F-4D97-AF65-F5344CB8AC3E}">
-        <p14:creationId xmlns:p14="http://schemas.microsoft.com/office/powerpoint/2010/main" xmlns="" val="2333732383"/>
+        <p14:creationId xmlns:p14="http://schemas.microsoft.com/office/powerpoint/2010/main" val="2333732383"/>
       </p:ext>
     </p:extLst>
   </p:cSld>
@@ -2581,7 +2780,7 @@
                 </a:solidFill>
               </a:rPr>
               <a:pPr/>
-              <a:t>9/5/2011</a:t>
+              <a:t>9/6/2011</a:t>
             </a:fld>
             <a:endParaRPr lang="en-US">
               <a:solidFill>
@@ -2657,7 +2856,7 @@
     </p:spTree>
     <p:extLst>
       <p:ext uri="{BB962C8B-B14F-4D97-AF65-F5344CB8AC3E}">
-        <p14:creationId xmlns:p14="http://schemas.microsoft.com/office/powerpoint/2010/main" xmlns="" val="1868228857"/>
+        <p14:creationId xmlns:p14="http://schemas.microsoft.com/office/powerpoint/2010/main" val="1868228857"/>
       </p:ext>
     </p:extLst>
   </p:cSld>
@@ -2731,7 +2930,7 @@
                 </a:solidFill>
               </a:rPr>
               <a:pPr/>
-              <a:t>9/5/2011</a:t>
+              <a:t>9/6/2011</a:t>
             </a:fld>
             <a:endParaRPr lang="en-US">
               <a:solidFill>
@@ -2807,7 +3006,7 @@
     </p:spTree>
     <p:extLst>
       <p:ext uri="{BB962C8B-B14F-4D97-AF65-F5344CB8AC3E}">
-        <p14:creationId xmlns:p14="http://schemas.microsoft.com/office/powerpoint/2010/main" xmlns="" val="3493117512"/>
+        <p14:creationId xmlns:p14="http://schemas.microsoft.com/office/powerpoint/2010/main" val="3493117512"/>
       </p:ext>
     </p:extLst>
   </p:cSld>
@@ -2858,7 +3057,7 @@
                 </a:solidFill>
               </a:rPr>
               <a:pPr/>
-              <a:t>9/5/2011</a:t>
+              <a:t>9/6/2011</a:t>
             </a:fld>
             <a:endParaRPr lang="en-US">
               <a:solidFill>
@@ -2934,7 +3133,7 @@
     </p:spTree>
     <p:extLst>
       <p:ext uri="{BB962C8B-B14F-4D97-AF65-F5344CB8AC3E}">
-        <p14:creationId xmlns:p14="http://schemas.microsoft.com/office/powerpoint/2010/main" xmlns="" val="55831848"/>
+        <p14:creationId xmlns:p14="http://schemas.microsoft.com/office/powerpoint/2010/main" val="55831848"/>
       </p:ext>
     </p:extLst>
   </p:cSld>
@@ -3167,7 +3366,7 @@
                 </a:solidFill>
               </a:rPr>
               <a:pPr/>
-              <a:t>9/5/2011</a:t>
+              <a:t>9/6/2011</a:t>
             </a:fld>
             <a:endParaRPr lang="en-US">
               <a:solidFill>
@@ -3243,7 +3442,7 @@
     </p:spTree>
     <p:extLst>
       <p:ext uri="{BB962C8B-B14F-4D97-AF65-F5344CB8AC3E}">
-        <p14:creationId xmlns:p14="http://schemas.microsoft.com/office/powerpoint/2010/main" xmlns="" val="4269593650"/>
+        <p14:creationId xmlns:p14="http://schemas.microsoft.com/office/powerpoint/2010/main" val="4269593650"/>
       </p:ext>
     </p:extLst>
   </p:cSld>
@@ -3452,7 +3651,7 @@
                 </a:solidFill>
               </a:rPr>
               <a:pPr/>
-              <a:t>9/5/2011</a:t>
+              <a:t>9/6/2011</a:t>
             </a:fld>
             <a:endParaRPr lang="en-US">
               <a:solidFill>
@@ -3528,7 +3727,7 @@
     </p:spTree>
     <p:extLst>
       <p:ext uri="{BB962C8B-B14F-4D97-AF65-F5344CB8AC3E}">
-        <p14:creationId xmlns:p14="http://schemas.microsoft.com/office/powerpoint/2010/main" xmlns="" val="3429307463"/>
+        <p14:creationId xmlns:p14="http://schemas.microsoft.com/office/powerpoint/2010/main" val="3429307463"/>
       </p:ext>
     </p:extLst>
   </p:cSld>
@@ -3706,7 +3905,7 @@
                 </a:solidFill>
               </a:rPr>
               <a:pPr/>
-              <a:t>9/5/2011</a:t>
+              <a:t>9/6/2011</a:t>
             </a:fld>
             <a:endParaRPr lang="en-US">
               <a:solidFill>
@@ -3818,7 +4017,7 @@
     </p:spTree>
     <p:extLst>
       <p:ext uri="{BB962C8B-B14F-4D97-AF65-F5344CB8AC3E}">
-        <p14:creationId xmlns:p14="http://schemas.microsoft.com/office/powerpoint/2010/main" xmlns="" val="4101540237"/>
+        <p14:creationId xmlns:p14="http://schemas.microsoft.com/office/powerpoint/2010/main" val="4101540237"/>
       </p:ext>
     </p:extLst>
   </p:cSld>
@@ -4208,7 +4407,7 @@
     </p:spTree>
     <p:extLst>
       <p:ext uri="{BB962C8B-B14F-4D97-AF65-F5344CB8AC3E}">
-        <p14:creationId xmlns:p14="http://schemas.microsoft.com/office/powerpoint/2010/main" xmlns="" val="2159322064"/>
+        <p14:creationId xmlns:p14="http://schemas.microsoft.com/office/powerpoint/2010/main" val="2159322064"/>
       </p:ext>
     </p:extLst>
   </p:cSld>
@@ -4328,7 +4527,7 @@
     </p:spTree>
     <p:extLst>
       <p:ext uri="{BB962C8B-B14F-4D97-AF65-F5344CB8AC3E}">
-        <p14:creationId xmlns:p14="http://schemas.microsoft.com/office/powerpoint/2010/main" xmlns="" val="467426380"/>
+        <p14:creationId xmlns:p14="http://schemas.microsoft.com/office/powerpoint/2010/main" val="467426380"/>
       </p:ext>
     </p:extLst>
   </p:cSld>
@@ -4514,7 +4713,7 @@
     </p:spTree>
     <p:extLst>
       <p:ext uri="{BB962C8B-B14F-4D97-AF65-F5344CB8AC3E}">
-        <p14:creationId xmlns:p14="http://schemas.microsoft.com/office/powerpoint/2010/main" xmlns="" val="4083383240"/>
+        <p14:creationId xmlns:p14="http://schemas.microsoft.com/office/powerpoint/2010/main" val="4083383240"/>
       </p:ext>
     </p:extLst>
   </p:cSld>
@@ -4605,15 +4804,7 @@
                   <a:schemeClr val="bg1"/>
                 </a:solidFill>
               </a:rPr>
-              <a:t>To avoid rust the exterior of the robot will be made from </a:t>
-            </a:r>
-            <a:r>
-              <a:rPr lang="en-US" dirty="0" smtClean="0">
-                <a:solidFill>
-                  <a:schemeClr val="bg1"/>
-                </a:solidFill>
-              </a:rPr>
-              <a:t>plastic</a:t>
+              <a:t>To avoid rust the exterior of the robot will be made from plastic</a:t>
             </a:r>
           </a:p>
           <a:p>
@@ -4638,7 +4829,7 @@
     </p:spTree>
     <p:extLst>
       <p:ext uri="{BB962C8B-B14F-4D97-AF65-F5344CB8AC3E}">
-        <p14:creationId xmlns:p14="http://schemas.microsoft.com/office/powerpoint/2010/main" xmlns="" val="4189870048"/>
+        <p14:creationId xmlns:p14="http://schemas.microsoft.com/office/powerpoint/2010/main" val="4189870048"/>
       </p:ext>
     </p:extLst>
   </p:cSld>
@@ -4743,7 +4934,7 @@
           <p:nvPr>
             <p:extLst>
               <p:ext uri="{D42A27DB-BD31-4B8C-83A1-F6EECF244321}">
-                <p14:modId xmlns:p14="http://schemas.microsoft.com/office/powerpoint/2010/main" xmlns="" val="1957592124"/>
+                <p14:modId xmlns:p14="http://schemas.microsoft.com/office/powerpoint/2010/main" val="1957592124"/>
               </p:ext>
             </p:extLst>
           </p:nvPr>
@@ -4754,9 +4945,59 @@
         </p:xfrm>
         <a:graphic>
           <a:graphicData uri="http://schemas.openxmlformats.org/presentationml/2006/ole">
-            <p:oleObj spid="_x0000_s1034" r:id="rId3" imgW="6686839" imgH="583316" progId="">
-              <p:embed/>
-            </p:oleObj>
+            <mc:AlternateContent xmlns:mc="http://schemas.openxmlformats.org/markup-compatibility/2006">
+              <mc:Choice xmlns:v="urn:schemas-microsoft-com:vml" Requires="v">
+                <p:oleObj spid="_x0000_s1037" r:id="rId3" imgW="6686839" imgH="583316" progId="">
+                  <p:embed/>
+                </p:oleObj>
+              </mc:Choice>
+              <mc:Fallback>
+                <p:oleObj r:id="rId3" imgW="6686839" imgH="583316" progId="">
+                  <p:embed/>
+                  <p:pic>
+                    <p:nvPicPr>
+                      <p:cNvPr id="0" name="Picture 10"/>
+                      <p:cNvPicPr>
+                        <a:picLocks noChangeAspect="1" noChangeArrowheads="1"/>
+                      </p:cNvPicPr>
+                      <p:nvPr/>
+                    </p:nvPicPr>
+                    <p:blipFill>
+                      <a:blip r:embed="rId4">
+                        <a:extLst>
+                          <a:ext uri="{28A0092B-C50C-407E-A947-70E740481C1C}">
+                            <a14:useLocalDpi xmlns:a14="http://schemas.microsoft.com/office/drawing/2010/main" val="0"/>
+                          </a:ext>
+                        </a:extLst>
+                      </a:blip>
+                      <a:srcRect/>
+                      <a:stretch>
+                        <a:fillRect/>
+                      </a:stretch>
+                    </p:blipFill>
+                    <p:spPr bwMode="auto">
+                      <a:xfrm>
+                        <a:off x="539552" y="1628800"/>
+                        <a:ext cx="7862207" cy="685800"/>
+                      </a:xfrm>
+                      <a:prstGeom prst="rect">
+                        <a:avLst/>
+                      </a:prstGeom>
+                      <a:noFill/>
+                      <a:extLst>
+                        <a:ext uri="{909E8E84-426E-40DD-AFC4-6F175D3DCCD1}">
+                          <a14:hiddenFill xmlns:a14="http://schemas.microsoft.com/office/drawing/2010/main">
+                            <a:solidFill>
+                              <a:srgbClr val="FFFFFF"/>
+                            </a:solidFill>
+                          </a14:hiddenFill>
+                        </a:ext>
+                      </a:extLst>
+                    </p:spPr>
+                  </p:pic>
+                </p:oleObj>
+              </mc:Fallback>
+            </mc:AlternateContent>
           </a:graphicData>
         </a:graphic>
       </p:graphicFrame>
@@ -4767,7 +5008,7 @@
           <p:nvPr/>
         </p:nvPicPr>
         <p:blipFill rotWithShape="1">
-          <a:blip r:embed="rId4" cstate="print"/>
+          <a:blip r:embed="rId5" cstate="print"/>
           <a:srcRect l="40935" t="25239" r="21126" b="20767"/>
           <a:stretch/>
         </p:blipFill>
@@ -4784,7 +5025,7 @@
           </a:ln>
           <a:extLst>
             <a:ext uri="{53640926-AAD7-44D8-BBD7-CCE9431645EC}">
-              <a14:shadowObscured xmlns:a14="http://schemas.microsoft.com/office/drawing/2010/main" xmlns=""/>
+              <a14:shadowObscured xmlns:a14="http://schemas.microsoft.com/office/drawing/2010/main"/>
             </a:ext>
           </a:extLst>
         </p:spPr>
@@ -4792,7 +5033,7 @@
     </p:spTree>
     <p:extLst>
       <p:ext uri="{BB962C8B-B14F-4D97-AF65-F5344CB8AC3E}">
-        <p14:creationId xmlns:p14="http://schemas.microsoft.com/office/powerpoint/2010/main" xmlns="" val="2616248011"/>
+        <p14:creationId xmlns:p14="http://schemas.microsoft.com/office/powerpoint/2010/main" val="2616248011"/>
       </p:ext>
     </p:extLst>
   </p:cSld>
@@ -5055,7 +5296,7 @@
     </p:spTree>
     <p:extLst>
       <p:ext uri="{BB962C8B-B14F-4D97-AF65-F5344CB8AC3E}">
-        <p14:creationId xmlns:p14="http://schemas.microsoft.com/office/powerpoint/2010/main" xmlns="" val="535781296"/>
+        <p14:creationId xmlns:p14="http://schemas.microsoft.com/office/powerpoint/2010/main" val="535781296"/>
       </p:ext>
     </p:extLst>
   </p:cSld>
@@ -5120,7 +5361,7 @@
           <p:nvPr>
             <p:extLst>
               <p:ext uri="{D42A27DB-BD31-4B8C-83A1-F6EECF244321}">
-                <p14:modId xmlns:p14="http://schemas.microsoft.com/office/powerpoint/2010/main" xmlns="" val="3297411017"/>
+                <p14:modId xmlns:p14="http://schemas.microsoft.com/office/powerpoint/2010/main" val="3297411017"/>
               </p:ext>
             </p:extLst>
           </p:nvPr>
@@ -5936,7 +6177,7 @@
     </p:spTree>
     <p:extLst>
       <p:ext uri="{BB962C8B-B14F-4D97-AF65-F5344CB8AC3E}">
-        <p14:creationId xmlns:p14="http://schemas.microsoft.com/office/powerpoint/2010/main" xmlns="" val="2823376196"/>
+        <p14:creationId xmlns:p14="http://schemas.microsoft.com/office/powerpoint/2010/main" val="2823376196"/>
       </p:ext>
     </p:extLst>
   </p:cSld>
@@ -6115,15 +6356,15 @@
                   <a:schemeClr val="bg1"/>
                 </a:solidFill>
               </a:rPr>
-              <a:t>output motors to decrease resistance to approximately 0.36</a:t>
-            </a:r>
-            <a:r>
-              <a:rPr lang="el-GR" dirty="0">
+              <a:t>output motors to decrease resistance </a:t>
+            </a:r>
+            <a:r>
+              <a:rPr lang="en-NZ" dirty="0" smtClean="0">
                 <a:solidFill>
                   <a:schemeClr val="bg1"/>
                 </a:solidFill>
               </a:rPr>
-              <a:t>Ω</a:t>
+              <a:t>seen by generator</a:t>
             </a:r>
             <a:endParaRPr lang="en-NZ" dirty="0">
               <a:solidFill>
@@ -6156,7 +6397,7 @@
           <p:nvPr>
             <p:extLst>
               <p:ext uri="{D42A27DB-BD31-4B8C-83A1-F6EECF244321}">
-                <p14:modId xmlns:p14="http://schemas.microsoft.com/office/powerpoint/2010/main" xmlns="" val="3944346509"/>
+                <p14:modId xmlns:p14="http://schemas.microsoft.com/office/powerpoint/2010/main" val="3944346509"/>
               </p:ext>
             </p:extLst>
           </p:nvPr>
@@ -6167,16 +6408,66 @@
         </p:xfrm>
         <a:graphic>
           <a:graphicData uri="http://schemas.openxmlformats.org/presentationml/2006/ole">
-            <p:oleObj spid="_x0000_s3077" name="Visio" r:id="rId3" imgW="6066728" imgH="858215" progId="">
-              <p:embed/>
-            </p:oleObj>
+            <mc:AlternateContent xmlns:mc="http://schemas.openxmlformats.org/markup-compatibility/2006">
+              <mc:Choice xmlns:v="urn:schemas-microsoft-com:vml" Requires="v">
+                <p:oleObj spid="_x0000_s3080" name="Visio" r:id="rId3" imgW="6066728" imgH="858215" progId="">
+                  <p:embed/>
+                </p:oleObj>
+              </mc:Choice>
+              <mc:Fallback>
+                <p:oleObj name="Visio" r:id="rId3" imgW="6066728" imgH="858215" progId="">
+                  <p:embed/>
+                  <p:pic>
+                    <p:nvPicPr>
+                      <p:cNvPr id="0" name="Picture 5"/>
+                      <p:cNvPicPr>
+                        <a:picLocks noChangeAspect="1" noChangeArrowheads="1"/>
+                      </p:cNvPicPr>
+                      <p:nvPr/>
+                    </p:nvPicPr>
+                    <p:blipFill>
+                      <a:blip r:embed="rId4">
+                        <a:extLst>
+                          <a:ext uri="{28A0092B-C50C-407E-A947-70E740481C1C}">
+                            <a14:useLocalDpi xmlns:a14="http://schemas.microsoft.com/office/drawing/2010/main" val="0"/>
+                          </a:ext>
+                        </a:extLst>
+                      </a:blip>
+                      <a:srcRect/>
+                      <a:stretch>
+                        <a:fillRect/>
+                      </a:stretch>
+                    </p:blipFill>
+                    <p:spPr bwMode="auto">
+                      <a:xfrm>
+                        <a:off x="1547664" y="4293096"/>
+                        <a:ext cx="6067425" cy="857250"/>
+                      </a:xfrm>
+                      <a:prstGeom prst="rect">
+                        <a:avLst/>
+                      </a:prstGeom>
+                      <a:noFill/>
+                      <a:extLst>
+                        <a:ext uri="{909E8E84-426E-40DD-AFC4-6F175D3DCCD1}">
+                          <a14:hiddenFill xmlns:a14="http://schemas.microsoft.com/office/drawing/2010/main">
+                            <a:solidFill>
+                              <a:srgbClr val="FFFFFF"/>
+                            </a:solidFill>
+                          </a14:hiddenFill>
+                        </a:ext>
+                      </a:extLst>
+                    </p:spPr>
+                  </p:pic>
+                </p:oleObj>
+              </mc:Fallback>
+            </mc:AlternateContent>
           </a:graphicData>
         </a:graphic>
       </p:graphicFrame>
     </p:spTree>
     <p:extLst>
       <p:ext uri="{BB962C8B-B14F-4D97-AF65-F5344CB8AC3E}">
-        <p14:creationId xmlns:p14="http://schemas.microsoft.com/office/powerpoint/2010/main" xmlns="" val="3043069130"/>
+        <p14:creationId xmlns:p14="http://schemas.microsoft.com/office/powerpoint/2010/main" val="3043069130"/>
       </p:ext>
     </p:extLst>
   </p:cSld>
@@ -6432,7 +6723,7 @@
     </p:spTree>
     <p:extLst>
       <p:ext uri="{BB962C8B-B14F-4D97-AF65-F5344CB8AC3E}">
-        <p14:creationId xmlns:p14="http://schemas.microsoft.com/office/powerpoint/2010/main" xmlns="" val="3178064340"/>
+        <p14:creationId xmlns:p14="http://schemas.microsoft.com/office/powerpoint/2010/main" val="3178064340"/>
       </p:ext>
     </p:extLst>
   </p:cSld>
@@ -6723,4 +7014,289 @@
   <a:objectDefaults/>
   <a:extraClrSchemeLst/>
 </a:theme>
+</file>
+
+<file path=ppt/theme/theme2.xml><?xml version="1.0" encoding="utf-8"?>
+<a:theme xmlns:a="http://schemas.openxmlformats.org/drawingml/2006/main" name="Office Theme">
+  <a:themeElements>
+    <a:clrScheme name="Office">
+      <a:dk1>
+        <a:sysClr val="windowText" lastClr="000000"/>
+      </a:dk1>
+      <a:lt1>
+        <a:sysClr val="window" lastClr="FFFFFF"/>
+      </a:lt1>
+      <a:dk2>
+        <a:srgbClr val="1F497D"/>
+      </a:dk2>
+      <a:lt2>
+        <a:srgbClr val="EEECE1"/>
+      </a:lt2>
+      <a:accent1>
+        <a:srgbClr val="4F81BD"/>
+      </a:accent1>
+      <a:accent2>
+        <a:srgbClr val="C0504D"/>
+      </a:accent2>
+      <a:accent3>
+        <a:srgbClr val="9BBB59"/>
+      </a:accent3>
+      <a:accent4>
+        <a:srgbClr val="8064A2"/>
+      </a:accent4>
+      <a:accent5>
+        <a:srgbClr val="4BACC6"/>
+      </a:accent5>
+      <a:accent6>
+        <a:srgbClr val="F79646"/>
+      </a:accent6>
+      <a:hlink>
+        <a:srgbClr val="0000FF"/>
+      </a:hlink>
+      <a:folHlink>
+        <a:srgbClr val="800080"/>
+      </a:folHlink>
+    </a:clrScheme>
+    <a:fontScheme name="Office">
+      <a:majorFont>
+        <a:latin typeface="Calibri"/>
+        <a:ea typeface=""/>
+        <a:cs typeface=""/>
+        <a:font script="Jpan" typeface="ＭＳ Ｐゴシック"/>
+        <a:font script="Hang" typeface="맑은 고딕"/>
+        <a:font script="Hans" typeface="宋体"/>
+        <a:font script="Hant" typeface="新細明體"/>
+        <a:font script="Arab" typeface="Times New Roman"/>
+        <a:font script="Hebr" typeface="Times New Roman"/>
+        <a:font script="Thai" typeface="Angsana New"/>
+        <a:font script="Ethi" typeface="Nyala"/>
+        <a:font script="Beng" typeface="Vrinda"/>
+        <a:font script="Gujr" typeface="Shruti"/>
+        <a:font script="Khmr" typeface="MoolBoran"/>
+        <a:font script="Knda" typeface="Tunga"/>
+        <a:font script="Guru" typeface="Raavi"/>
+        <a:font script="Cans" typeface="Euphemia"/>
+        <a:font script="Cher" typeface="Plantagenet Cherokee"/>
+        <a:font script="Yiii" typeface="Microsoft Yi Baiti"/>
+        <a:font script="Tibt" typeface="Microsoft Himalaya"/>
+        <a:font script="Thaa" typeface="MV Boli"/>
+        <a:font script="Deva" typeface="Mangal"/>
+        <a:font script="Telu" typeface="Gautami"/>
+        <a:font script="Taml" typeface="Latha"/>
+        <a:font script="Syrc" typeface="Estrangelo Edessa"/>
+        <a:font script="Orya" typeface="Kalinga"/>
+        <a:font script="Mlym" typeface="Kartika"/>
+        <a:font script="Laoo" typeface="DokChampa"/>
+        <a:font script="Sinh" typeface="Iskoola Pota"/>
+        <a:font script="Mong" typeface="Mongolian Baiti"/>
+        <a:font script="Viet" typeface="Times New Roman"/>
+        <a:font script="Uigh" typeface="Microsoft Uighur"/>
+        <a:font script="Geor" typeface="Sylfaen"/>
+      </a:majorFont>
+      <a:minorFont>
+        <a:latin typeface="Calibri"/>
+        <a:ea typeface=""/>
+        <a:cs typeface=""/>
+        <a:font script="Jpan" typeface="ＭＳ Ｐゴシック"/>
+        <a:font script="Hang" typeface="맑은 고딕"/>
+        <a:font script="Hans" typeface="宋体"/>
+        <a:font script="Hant" typeface="新細明體"/>
+        <a:font script="Arab" typeface="Arial"/>
+        <a:font script="Hebr" typeface="Arial"/>
+        <a:font script="Thai" typeface="Cordia New"/>
+        <a:font script="Ethi" typeface="Nyala"/>
+        <a:font script="Beng" typeface="Vrinda"/>
+        <a:font script="Gujr" typeface="Shruti"/>
+        <a:font script="Khmr" typeface="DaunPenh"/>
+        <a:font script="Knda" typeface="Tunga"/>
+        <a:font script="Guru" typeface="Raavi"/>
+        <a:font script="Cans" typeface="Euphemia"/>
+        <a:font script="Cher" typeface="Plantagenet Cherokee"/>
+        <a:font script="Yiii" typeface="Microsoft Yi Baiti"/>
+        <a:font script="Tibt" typeface="Microsoft Himalaya"/>
+        <a:font script="Thaa" typeface="MV Boli"/>
+        <a:font script="Deva" typeface="Mangal"/>
+        <a:font script="Telu" typeface="Gautami"/>
+        <a:font script="Taml" typeface="Latha"/>
+        <a:font script="Syrc" typeface="Estrangelo Edessa"/>
+        <a:font script="Orya" typeface="Kalinga"/>
+        <a:font script="Mlym" typeface="Kartika"/>
+        <a:font script="Laoo" typeface="DokChampa"/>
+        <a:font script="Sinh" typeface="Iskoola Pota"/>
+        <a:font script="Mong" typeface="Mongolian Baiti"/>
+        <a:font script="Viet" typeface="Arial"/>
+        <a:font script="Uigh" typeface="Microsoft Uighur"/>
+        <a:font script="Geor" typeface="Sylfaen"/>
+      </a:minorFont>
+    </a:fontScheme>
+    <a:fmtScheme name="Office">
+      <a:fillStyleLst>
+        <a:solidFill>
+          <a:schemeClr val="phClr"/>
+        </a:solidFill>
+        <a:gradFill rotWithShape="1">
+          <a:gsLst>
+            <a:gs pos="0">
+              <a:schemeClr val="phClr">
+                <a:tint val="50000"/>
+                <a:satMod val="300000"/>
+              </a:schemeClr>
+            </a:gs>
+            <a:gs pos="35000">
+              <a:schemeClr val="phClr">
+                <a:tint val="37000"/>
+                <a:satMod val="300000"/>
+              </a:schemeClr>
+            </a:gs>
+            <a:gs pos="100000">
+              <a:schemeClr val="phClr">
+                <a:tint val="15000"/>
+                <a:satMod val="350000"/>
+              </a:schemeClr>
+            </a:gs>
+          </a:gsLst>
+          <a:lin ang="16200000" scaled="1"/>
+        </a:gradFill>
+        <a:gradFill rotWithShape="1">
+          <a:gsLst>
+            <a:gs pos="0">
+              <a:schemeClr val="phClr">
+                <a:shade val="51000"/>
+                <a:satMod val="130000"/>
+              </a:schemeClr>
+            </a:gs>
+            <a:gs pos="80000">
+              <a:schemeClr val="phClr">
+                <a:shade val="93000"/>
+                <a:satMod val="130000"/>
+              </a:schemeClr>
+            </a:gs>
+            <a:gs pos="100000">
+              <a:schemeClr val="phClr">
+                <a:shade val="94000"/>
+                <a:satMod val="135000"/>
+              </a:schemeClr>
+            </a:gs>
+          </a:gsLst>
+          <a:lin ang="16200000" scaled="0"/>
+        </a:gradFill>
+      </a:fillStyleLst>
+      <a:lnStyleLst>
+        <a:ln w="9525" cap="flat" cmpd="sng" algn="ctr">
+          <a:solidFill>
+            <a:schemeClr val="phClr">
+              <a:shade val="95000"/>
+              <a:satMod val="105000"/>
+            </a:schemeClr>
+          </a:solidFill>
+          <a:prstDash val="solid"/>
+        </a:ln>
+        <a:ln w="25400" cap="flat" cmpd="sng" algn="ctr">
+          <a:solidFill>
+            <a:schemeClr val="phClr"/>
+          </a:solidFill>
+          <a:prstDash val="solid"/>
+        </a:ln>
+        <a:ln w="38100" cap="flat" cmpd="sng" algn="ctr">
+          <a:solidFill>
+            <a:schemeClr val="phClr"/>
+          </a:solidFill>
+          <a:prstDash val="solid"/>
+        </a:ln>
+      </a:lnStyleLst>
+      <a:effectStyleLst>
+        <a:effectStyle>
+          <a:effectLst>
+            <a:outerShdw blurRad="40000" dist="20000" dir="5400000" rotWithShape="0">
+              <a:srgbClr val="000000">
+                <a:alpha val="38000"/>
+              </a:srgbClr>
+            </a:outerShdw>
+          </a:effectLst>
+        </a:effectStyle>
+        <a:effectStyle>
+          <a:effectLst>
+            <a:outerShdw blurRad="40000" dist="23000" dir="5400000" rotWithShape="0">
+              <a:srgbClr val="000000">
+                <a:alpha val="35000"/>
+              </a:srgbClr>
+            </a:outerShdw>
+          </a:effectLst>
+        </a:effectStyle>
+        <a:effectStyle>
+          <a:effectLst>
+            <a:outerShdw blurRad="40000" dist="23000" dir="5400000" rotWithShape="0">
+              <a:srgbClr val="000000">
+                <a:alpha val="35000"/>
+              </a:srgbClr>
+            </a:outerShdw>
+          </a:effectLst>
+          <a:scene3d>
+            <a:camera prst="orthographicFront">
+              <a:rot lat="0" lon="0" rev="0"/>
+            </a:camera>
+            <a:lightRig rig="threePt" dir="t">
+              <a:rot lat="0" lon="0" rev="1200000"/>
+            </a:lightRig>
+          </a:scene3d>
+          <a:sp3d>
+            <a:bevelT w="63500" h="25400"/>
+          </a:sp3d>
+        </a:effectStyle>
+      </a:effectStyleLst>
+      <a:bgFillStyleLst>
+        <a:solidFill>
+          <a:schemeClr val="phClr"/>
+        </a:solidFill>
+        <a:gradFill rotWithShape="1">
+          <a:gsLst>
+            <a:gs pos="0">
+              <a:schemeClr val="phClr">
+                <a:tint val="40000"/>
+                <a:satMod val="350000"/>
+              </a:schemeClr>
+            </a:gs>
+            <a:gs pos="40000">
+              <a:schemeClr val="phClr">
+                <a:tint val="45000"/>
+                <a:shade val="99000"/>
+                <a:satMod val="350000"/>
+              </a:schemeClr>
+            </a:gs>
+            <a:gs pos="100000">
+              <a:schemeClr val="phClr">
+                <a:shade val="20000"/>
+                <a:satMod val="255000"/>
+              </a:schemeClr>
+            </a:gs>
+          </a:gsLst>
+          <a:path path="circle">
+            <a:fillToRect l="50000" t="-80000" r="50000" b="180000"/>
+          </a:path>
+        </a:gradFill>
+        <a:gradFill rotWithShape="1">
+          <a:gsLst>
+            <a:gs pos="0">
+              <a:schemeClr val="phClr">
+                <a:tint val="80000"/>
+                <a:satMod val="300000"/>
+              </a:schemeClr>
+            </a:gs>
+            <a:gs pos="100000">
+              <a:schemeClr val="phClr">
+                <a:shade val="30000"/>
+                <a:satMod val="200000"/>
+              </a:schemeClr>
+            </a:gs>
+          </a:gsLst>
+          <a:path path="circle">
+            <a:fillToRect l="50000" t="50000" r="50000" b="50000"/>
+          </a:path>
+        </a:gradFill>
+      </a:bgFillStyleLst>
+    </a:fmtScheme>
+  </a:themeElements>
+  <a:objectDefaults/>
+  <a:extraClrSchemeLst/>
+</a:theme>
 </file>
--- a/demo.pptx
+++ b/demo.pptx
@@ -626,11 +626,11 @@
           <c:showPercent val="0"/>
           <c:showBubbleSize val="0"/>
         </c:dLbls>
-        <c:axId val="84253312"/>
-        <c:axId val="84271872"/>
+        <c:axId val="95446528"/>
+        <c:axId val="95448448"/>
       </c:scatterChart>
       <c:valAx>
-        <c:axId val="84253312"/>
+        <c:axId val="95446528"/>
         <c:scaling>
           <c:orientation val="minMax"/>
         </c:scaling>
@@ -669,12 +669,12 @@
             <a:endParaRPr lang="en-US"/>
           </a:p>
         </c:txPr>
-        <c:crossAx val="84271872"/>
+        <c:crossAx val="95448448"/>
         <c:crosses val="autoZero"/>
         <c:crossBetween val="midCat"/>
       </c:valAx>
       <c:valAx>
-        <c:axId val="84271872"/>
+        <c:axId val="95448448"/>
         <c:scaling>
           <c:orientation val="minMax"/>
           <c:max val="40"/>
@@ -723,7 +723,7 @@
             <a:endParaRPr lang="en-US"/>
           </a:p>
         </c:txPr>
-        <c:crossAx val="84253312"/>
+        <c:crossAx val="95446528"/>
         <c:crosses val="autoZero"/>
         <c:crossBetween val="midCat"/>
         <c:majorUnit val="10"/>
@@ -841,7 +841,7 @@
           <a:p>
             <a:fld id="{B7689678-D9C7-4B66-B498-B0D9ECB213E9}" type="datetimeFigureOut">
               <a:rPr lang="en-NZ" smtClean="0"/>
-              <a:t>6/09/2011</a:t>
+              <a:t>7/09/2011</a:t>
             </a:fld>
             <a:endParaRPr lang="en-NZ"/>
           </a:p>
@@ -1112,7 +1112,7 @@
                 </a:solidFill>
               </a:rPr>
               <a:pPr/>
-              <a:t>9/6/2011</a:t>
+              <a:t>9/7/2011</a:t>
             </a:fld>
             <a:endParaRPr lang="en-US">
               <a:solidFill>
@@ -1314,7 +1314,7 @@
                 </a:solidFill>
               </a:rPr>
               <a:pPr/>
-              <a:t>9/6/2011</a:t>
+              <a:t>9/7/2011</a:t>
             </a:fld>
             <a:endParaRPr lang="en-US">
               <a:solidFill>
@@ -1526,7 +1526,7 @@
                 </a:solidFill>
               </a:rPr>
               <a:pPr/>
-              <a:t>9/6/2011</a:t>
+              <a:t>9/7/2011</a:t>
             </a:fld>
             <a:endParaRPr lang="en-US">
               <a:solidFill>
@@ -1728,7 +1728,7 @@
                 </a:solidFill>
               </a:rPr>
               <a:pPr/>
-              <a:t>9/6/2011</a:t>
+              <a:t>9/7/2011</a:t>
             </a:fld>
             <a:endParaRPr lang="en-US">
               <a:solidFill>
@@ -2006,7 +2006,7 @@
                 </a:solidFill>
               </a:rPr>
               <a:pPr/>
-              <a:t>9/6/2011</a:t>
+              <a:t>9/7/2011</a:t>
             </a:fld>
             <a:endParaRPr lang="en-US">
               <a:solidFill>
@@ -2326,7 +2326,7 @@
                 </a:solidFill>
               </a:rPr>
               <a:pPr/>
-              <a:t>9/6/2011</a:t>
+              <a:t>9/7/2011</a:t>
             </a:fld>
             <a:endParaRPr lang="en-US">
               <a:solidFill>
@@ -2780,7 +2780,7 @@
                 </a:solidFill>
               </a:rPr>
               <a:pPr/>
-              <a:t>9/6/2011</a:t>
+              <a:t>9/7/2011</a:t>
             </a:fld>
             <a:endParaRPr lang="en-US">
               <a:solidFill>
@@ -2930,7 +2930,7 @@
                 </a:solidFill>
               </a:rPr>
               <a:pPr/>
-              <a:t>9/6/2011</a:t>
+              <a:t>9/7/2011</a:t>
             </a:fld>
             <a:endParaRPr lang="en-US">
               <a:solidFill>
@@ -3057,7 +3057,7 @@
                 </a:solidFill>
               </a:rPr>
               <a:pPr/>
-              <a:t>9/6/2011</a:t>
+              <a:t>9/7/2011</a:t>
             </a:fld>
             <a:endParaRPr lang="en-US">
               <a:solidFill>
@@ -3366,7 +3366,7 @@
                 </a:solidFill>
               </a:rPr>
               <a:pPr/>
-              <a:t>9/6/2011</a:t>
+              <a:t>9/7/2011</a:t>
             </a:fld>
             <a:endParaRPr lang="en-US">
               <a:solidFill>
@@ -3651,7 +3651,7 @@
                 </a:solidFill>
               </a:rPr>
               <a:pPr/>
-              <a:t>9/6/2011</a:t>
+              <a:t>9/7/2011</a:t>
             </a:fld>
             <a:endParaRPr lang="en-US">
               <a:solidFill>
@@ -3905,7 +3905,7 @@
                 </a:solidFill>
               </a:rPr>
               <a:pPr/>
-              <a:t>9/6/2011</a:t>
+              <a:t>9/7/2011</a:t>
             </a:fld>
             <a:endParaRPr lang="en-US">
               <a:solidFill>
@@ -4315,13 +4315,43 @@
             <p:ph type="title"/>
           </p:nvPr>
         </p:nvSpPr>
-        <p:spPr/>
-        <p:txBody>
-          <a:bodyPr/>
+        <p:spPr>
+          <a:xfrm>
+            <a:off x="467544" y="548680"/>
+            <a:ext cx="8229600" cy="1143000"/>
+          </a:xfrm>
+        </p:spPr>
+        <p:txBody>
+          <a:bodyPr>
+            <a:normAutofit fontScale="90000"/>
+          </a:bodyPr>
           <a:lstStyle/>
           <a:p>
             <a:r>
-              <a:rPr lang="en-US" dirty="0" smtClean="0">
+              <a:rPr lang="en-US" b="1" dirty="0">
+                <a:solidFill>
+                  <a:schemeClr val="bg1"/>
+                </a:solidFill>
+              </a:rPr>
+              <a:t>Generating Power for Remote Applications in Extreme Environments</a:t>
+            </a:r>
+            <a:r>
+              <a:rPr lang="en-US" dirty="0">
+                <a:solidFill>
+                  <a:schemeClr val="bg1"/>
+                </a:solidFill>
+              </a:rPr>
+              <a:t/>
+            </a:r>
+            <a:br>
+              <a:rPr lang="en-US" dirty="0">
+                <a:solidFill>
+                  <a:schemeClr val="bg1"/>
+                </a:solidFill>
+              </a:rPr>
+            </a:br>
+            <a:r>
+              <a:rPr lang="en-US" dirty="0">
                 <a:solidFill>
                   <a:schemeClr val="bg1"/>
                 </a:solidFill>
@@ -4346,10 +4376,15 @@
             <p:ph idx="1"/>
           </p:nvPr>
         </p:nvSpPr>
-        <p:spPr/>
+        <p:spPr>
+          <a:xfrm>
+            <a:off x="457200" y="2060848"/>
+            <a:ext cx="8229600" cy="4065315"/>
+          </a:xfrm>
+        </p:spPr>
         <p:txBody>
           <a:bodyPr>
-            <a:normAutofit/>
+            <a:normAutofit lnSpcReduction="10000"/>
           </a:bodyPr>
           <a:lstStyle/>
           <a:p>
@@ -4598,7 +4633,7 @@
         <p:spPr/>
         <p:txBody>
           <a:bodyPr>
-            <a:normAutofit fontScale="92500" lnSpcReduction="10000"/>
+            <a:normAutofit fontScale="85000" lnSpcReduction="10000"/>
           </a:bodyPr>
           <a:lstStyle/>
           <a:p>
@@ -4614,7 +4649,7 @@
           <a:p>
             <a:pPr lvl="1"/>
             <a:r>
-              <a:rPr lang="en-US" sz="3200" dirty="0" smtClean="0">
+              <a:rPr lang="en-US" sz="3200" dirty="0">
                 <a:solidFill>
                   <a:schemeClr val="bg1"/>
                 </a:solidFill>
@@ -4625,7 +4660,7 @@
           <a:p>
             <a:pPr lvl="1"/>
             <a:r>
-              <a:rPr lang="en-US" sz="3200" dirty="0" smtClean="0">
+              <a:rPr lang="en-US" sz="3200" dirty="0">
                 <a:solidFill>
                   <a:schemeClr val="bg1"/>
                 </a:solidFill>
@@ -4636,7 +4671,7 @@
           <a:p>
             <a:pPr lvl="1"/>
             <a:r>
-              <a:rPr lang="en-US" sz="3200" dirty="0" smtClean="0">
+              <a:rPr lang="en-US" sz="3200" dirty="0">
                 <a:solidFill>
                   <a:schemeClr val="bg1"/>
                 </a:solidFill>
@@ -4647,7 +4682,7 @@
           <a:p>
             <a:pPr lvl="1"/>
             <a:r>
-              <a:rPr lang="en-US" dirty="0">
+              <a:rPr lang="en-US" sz="3200" dirty="0">
                 <a:solidFill>
                   <a:schemeClr val="bg1"/>
                 </a:solidFill>
@@ -4658,7 +4693,7 @@
           <a:p>
             <a:pPr lvl="1"/>
             <a:r>
-              <a:rPr lang="en-US" dirty="0">
+              <a:rPr lang="en-US" sz="3200" dirty="0">
                 <a:solidFill>
                   <a:schemeClr val="bg1"/>
                 </a:solidFill>
@@ -4666,7 +4701,7 @@
               <a:t>No control </a:t>
             </a:r>
             <a:r>
-              <a:rPr lang="en-US" dirty="0" err="1">
+              <a:rPr lang="en-US" sz="3200" dirty="0" err="1">
                 <a:solidFill>
                   <a:schemeClr val="bg1"/>
                 </a:solidFill>
@@ -4674,7 +4709,7 @@
               <a:t>ie</a:t>
             </a:r>
             <a:r>
-              <a:rPr lang="en-US" dirty="0">
+              <a:rPr lang="en-US" sz="3200" dirty="0">
                 <a:solidFill>
                   <a:schemeClr val="bg1"/>
                 </a:solidFill>
@@ -4685,7 +4720,7 @@
           <a:p>
             <a:pPr lvl="1"/>
             <a:r>
-              <a:rPr lang="en-US" dirty="0">
+              <a:rPr lang="en-US" sz="3200" dirty="0">
                 <a:solidFill>
                   <a:schemeClr val="bg1"/>
                 </a:solidFill>
@@ -4947,7 +4982,7 @@
           <a:graphicData uri="http://schemas.openxmlformats.org/presentationml/2006/ole">
             <mc:AlternateContent xmlns:mc="http://schemas.openxmlformats.org/markup-compatibility/2006">
               <mc:Choice xmlns:v="urn:schemas-microsoft-com:vml" Requires="v">
-                <p:oleObj spid="_x0000_s1037" r:id="rId3" imgW="6686839" imgH="583316" progId="">
+                <p:oleObj spid="_x0000_s1039" r:id="rId3" imgW="6686839" imgH="583316" progId="">
                   <p:embed/>
                 </p:oleObj>
               </mc:Choice>
@@ -6410,7 +6445,7 @@
           <a:graphicData uri="http://schemas.openxmlformats.org/presentationml/2006/ole">
             <mc:AlternateContent xmlns:mc="http://schemas.openxmlformats.org/markup-compatibility/2006">
               <mc:Choice xmlns:v="urn:schemas-microsoft-com:vml" Requires="v">
-                <p:oleObj spid="_x0000_s3080" name="Visio" r:id="rId3" imgW="6066728" imgH="858215" progId="">
+                <p:oleObj spid="_x0000_s3082" name="Visio" r:id="rId3" imgW="6066728" imgH="858215" progId="">
                   <p:embed/>
                 </p:oleObj>
               </mc:Choice>
